--- a/presentacion.pptx
+++ b/presentacion.pptx
@@ -6,7 +6,19 @@
   </p:sldMasterIdLst>
   <p:sldIdLst>
     <p:sldId id="256" r:id="rId2"/>
-    <p:sldId id="257" r:id="rId3"/>
+    <p:sldId id="260" r:id="rId3"/>
+    <p:sldId id="257" r:id="rId4"/>
+    <p:sldId id="258" r:id="rId5"/>
+    <p:sldId id="259" r:id="rId6"/>
+    <p:sldId id="264" r:id="rId7"/>
+    <p:sldId id="261" r:id="rId8"/>
+    <p:sldId id="262" r:id="rId9"/>
+    <p:sldId id="263" r:id="rId10"/>
+    <p:sldId id="265" r:id="rId11"/>
+    <p:sldId id="266" r:id="rId12"/>
+    <p:sldId id="267" r:id="rId13"/>
+    <p:sldId id="268" r:id="rId14"/>
+    <p:sldId id="269" r:id="rId15"/>
   </p:sldIdLst>
   <p:sldSz cx="12192000" cy="6858000"/>
   <p:notesSz cx="6858000" cy="9144000"/>
@@ -105,6 +117,11 @@
       </a:defRPr>
     </a:lvl9pPr>
   </p:defaultTextStyle>
+  <p:extLst>
+    <p:ext uri="{EFAFB233-063F-42B5-8137-9DF3F51BA10A}">
+      <p15:sldGuideLst xmlns:p15="http://schemas.microsoft.com/office/powerpoint/2012/main"/>
+    </p:ext>
+  </p:extLst>
 </p:presentation>
 </file>
 
@@ -239,7 +256,7 @@
           <a:p>
             <a:fld id="{0C78C94D-788B-4E59-9B06-1F767DD992A1}" type="datetimeFigureOut">
               <a:rPr lang="es-ES" smtClean="0"/>
-              <a:t>03/01/2023</a:t>
+              <a:t>05/01/2023</a:t>
             </a:fld>
             <a:endParaRPr lang="es-ES"/>
           </a:p>
@@ -409,7 +426,7 @@
           <a:p>
             <a:fld id="{0C78C94D-788B-4E59-9B06-1F767DD992A1}" type="datetimeFigureOut">
               <a:rPr lang="es-ES" smtClean="0"/>
-              <a:t>03/01/2023</a:t>
+              <a:t>05/01/2023</a:t>
             </a:fld>
             <a:endParaRPr lang="es-ES"/>
           </a:p>
@@ -589,7 +606,7 @@
           <a:p>
             <a:fld id="{0C78C94D-788B-4E59-9B06-1F767DD992A1}" type="datetimeFigureOut">
               <a:rPr lang="es-ES" smtClean="0"/>
-              <a:t>03/01/2023</a:t>
+              <a:t>05/01/2023</a:t>
             </a:fld>
             <a:endParaRPr lang="es-ES"/>
           </a:p>
@@ -759,7 +776,7 @@
           <a:p>
             <a:fld id="{0C78C94D-788B-4E59-9B06-1F767DD992A1}" type="datetimeFigureOut">
               <a:rPr lang="es-ES" smtClean="0"/>
-              <a:t>03/01/2023</a:t>
+              <a:t>05/01/2023</a:t>
             </a:fld>
             <a:endParaRPr lang="es-ES"/>
           </a:p>
@@ -1005,7 +1022,7 @@
           <a:p>
             <a:fld id="{0C78C94D-788B-4E59-9B06-1F767DD992A1}" type="datetimeFigureOut">
               <a:rPr lang="es-ES" smtClean="0"/>
-              <a:t>03/01/2023</a:t>
+              <a:t>05/01/2023</a:t>
             </a:fld>
             <a:endParaRPr lang="es-ES"/>
           </a:p>
@@ -1237,7 +1254,7 @@
           <a:p>
             <a:fld id="{0C78C94D-788B-4E59-9B06-1F767DD992A1}" type="datetimeFigureOut">
               <a:rPr lang="es-ES" smtClean="0"/>
-              <a:t>03/01/2023</a:t>
+              <a:t>05/01/2023</a:t>
             </a:fld>
             <a:endParaRPr lang="es-ES"/>
           </a:p>
@@ -1604,7 +1621,7 @@
           <a:p>
             <a:fld id="{0C78C94D-788B-4E59-9B06-1F767DD992A1}" type="datetimeFigureOut">
               <a:rPr lang="es-ES" smtClean="0"/>
-              <a:t>03/01/2023</a:t>
+              <a:t>05/01/2023</a:t>
             </a:fld>
             <a:endParaRPr lang="es-ES"/>
           </a:p>
@@ -1722,7 +1739,7 @@
           <a:p>
             <a:fld id="{0C78C94D-788B-4E59-9B06-1F767DD992A1}" type="datetimeFigureOut">
               <a:rPr lang="es-ES" smtClean="0"/>
-              <a:t>03/01/2023</a:t>
+              <a:t>05/01/2023</a:t>
             </a:fld>
             <a:endParaRPr lang="es-ES"/>
           </a:p>
@@ -1817,7 +1834,7 @@
           <a:p>
             <a:fld id="{0C78C94D-788B-4E59-9B06-1F767DD992A1}" type="datetimeFigureOut">
               <a:rPr lang="es-ES" smtClean="0"/>
-              <a:t>03/01/2023</a:t>
+              <a:t>05/01/2023</a:t>
             </a:fld>
             <a:endParaRPr lang="es-ES"/>
           </a:p>
@@ -2094,7 +2111,7 @@
           <a:p>
             <a:fld id="{0C78C94D-788B-4E59-9B06-1F767DD992A1}" type="datetimeFigureOut">
               <a:rPr lang="es-ES" smtClean="0"/>
-              <a:t>03/01/2023</a:t>
+              <a:t>05/01/2023</a:t>
             </a:fld>
             <a:endParaRPr lang="es-ES"/>
           </a:p>
@@ -2347,7 +2364,7 @@
           <a:p>
             <a:fld id="{0C78C94D-788B-4E59-9B06-1F767DD992A1}" type="datetimeFigureOut">
               <a:rPr lang="es-ES" smtClean="0"/>
-              <a:t>03/01/2023</a:t>
+              <a:t>05/01/2023</a:t>
             </a:fld>
             <a:endParaRPr lang="es-ES"/>
           </a:p>
@@ -2560,7 +2577,7 @@
           <a:p>
             <a:fld id="{0C78C94D-788B-4E59-9B06-1F767DD992A1}" type="datetimeFigureOut">
               <a:rPr lang="es-ES" smtClean="0"/>
-              <a:t>03/01/2023</a:t>
+              <a:t>05/01/2023</a:t>
             </a:fld>
             <a:endParaRPr lang="es-ES"/>
           </a:p>
@@ -2951,6 +2968,17 @@
 <file path=ppt/slides/slide1.xml><?xml version="1.0" encoding="utf-8"?>
 <p:sld xmlns:a="http://schemas.openxmlformats.org/drawingml/2006/main" xmlns:r="http://schemas.openxmlformats.org/officeDocument/2006/relationships" xmlns:p="http://schemas.openxmlformats.org/presentationml/2006/main">
   <p:cSld>
+    <p:bg>
+      <p:bgPr>
+        <a:solidFill>
+          <a:schemeClr val="accent5">
+            <a:lumMod val="60000"/>
+            <a:lumOff val="40000"/>
+          </a:schemeClr>
+        </a:solidFill>
+        <a:effectLst/>
+      </p:bgPr>
+    </p:bg>
     <p:spTree>
       <p:nvGrpSpPr>
         <p:cNvPr id="1" name=""/>
@@ -2977,8 +3005,8 @@
         </p:nvSpPr>
         <p:spPr>
           <a:xfrm>
-            <a:off x="186612" y="1122363"/>
-            <a:ext cx="11765901" cy="2387600"/>
+            <a:off x="186611" y="2649894"/>
+            <a:ext cx="11765901" cy="1707886"/>
           </a:xfrm>
         </p:spPr>
         <p:txBody>
@@ -2988,13 +3016,13 @@
           <a:lstStyle/>
           <a:p>
             <a:r>
-              <a:rPr lang="es-ES" sz="7200" b="1" dirty="0" smtClean="0">
+              <a:rPr lang="es-ES" sz="5400" b="1" dirty="0" smtClean="0">
                 <a:latin typeface="Arial" panose="020B0604020202020204" pitchFamily="34" charset="0"/>
                 <a:cs typeface="Arial" panose="020B0604020202020204" pitchFamily="34" charset="0"/>
               </a:rPr>
-              <a:t>Proyecto Individual No. 3</a:t>
-            </a:r>
-            <a:endParaRPr lang="es-ES" sz="7200" b="1" dirty="0">
+              <a:t>Ingresos en el Sector de Telecomunicaciones</a:t>
+            </a:r>
+            <a:endParaRPr lang="es-ES" sz="5400" b="1" dirty="0">
               <a:latin typeface="Arial" panose="020B0604020202020204" pitchFamily="34" charset="0"/>
               <a:cs typeface="Arial" panose="020B0604020202020204" pitchFamily="34" charset="0"/>
             </a:endParaRPr>
@@ -3011,7 +3039,12 @@
             <p:ph type="subTitle" idx="1"/>
           </p:nvPr>
         </p:nvSpPr>
-        <p:spPr/>
+        <p:spPr>
+          <a:xfrm>
+            <a:off x="1497562" y="501030"/>
+            <a:ext cx="9144000" cy="1655762"/>
+          </a:xfrm>
+        </p:spPr>
         <p:txBody>
           <a:bodyPr/>
           <a:lstStyle/>
@@ -3024,12 +3057,18 @@
           <a:p>
             <a:r>
               <a:rPr lang="es-ES" b="1" dirty="0" smtClean="0">
+                <a:solidFill>
+                  <a:schemeClr val="bg1"/>
+                </a:solidFill>
                 <a:latin typeface="Arial" panose="020B0604020202020204" pitchFamily="34" charset="0"/>
                 <a:cs typeface="Arial" panose="020B0604020202020204" pitchFamily="34" charset="0"/>
               </a:rPr>
-              <a:t>Sector de Telecomunicaciones en Argentina</a:t>
+              <a:t>Proyecto Individual No.3</a:t>
             </a:r>
             <a:endParaRPr lang="es-ES" b="1" dirty="0">
+              <a:solidFill>
+                <a:schemeClr val="bg1"/>
+              </a:solidFill>
               <a:latin typeface="Arial" panose="020B0604020202020204" pitchFamily="34" charset="0"/>
               <a:cs typeface="Arial" panose="020B0604020202020204" pitchFamily="34" charset="0"/>
             </a:endParaRPr>
@@ -3046,12 +3085,30 @@
   <p:clrMapOvr>
     <a:masterClrMapping/>
   </p:clrMapOvr>
+  <p:timing>
+    <p:tnLst>
+      <p:par>
+        <p:cTn id="1" dur="indefinite" restart="never" nodeType="tmRoot"/>
+      </p:par>
+    </p:tnLst>
+  </p:timing>
 </p:sld>
 </file>
 
-<file path=ppt/slides/slide2.xml><?xml version="1.0" encoding="utf-8"?>
+<file path=ppt/slides/slide10.xml><?xml version="1.0" encoding="utf-8"?>
 <p:sld xmlns:a="http://schemas.openxmlformats.org/drawingml/2006/main" xmlns:r="http://schemas.openxmlformats.org/officeDocument/2006/relationships" xmlns:p="http://schemas.openxmlformats.org/presentationml/2006/main">
   <p:cSld>
+    <p:bg>
+      <p:bgPr>
+        <a:solidFill>
+          <a:schemeClr val="accent5">
+            <a:lumMod val="60000"/>
+            <a:lumOff val="40000"/>
+          </a:schemeClr>
+        </a:solidFill>
+        <a:effectLst/>
+      </p:bgPr>
+    </p:bg>
     <p:spTree>
       <p:nvGrpSpPr>
         <p:cNvPr id="1" name=""/>
@@ -3068,25 +3125,6 @@
       </p:grpSpPr>
       <p:sp>
         <p:nvSpPr>
-          <p:cNvPr id="2" name="Título 1"/>
-          <p:cNvSpPr>
-            <a:spLocks noGrp="1"/>
-          </p:cNvSpPr>
-          <p:nvPr>
-            <p:ph type="title"/>
-          </p:nvPr>
-        </p:nvSpPr>
-        <p:spPr/>
-        <p:txBody>
-          <a:bodyPr/>
-          <a:lstStyle/>
-          <a:p>
-            <a:endParaRPr lang="es-ES"/>
-          </a:p>
-        </p:txBody>
-      </p:sp>
-      <p:sp>
-        <p:nvSpPr>
           <p:cNvPr id="3" name="Marcador de contenido 2"/>
           <p:cNvSpPr>
             <a:spLocks noGrp="1"/>
@@ -3095,32 +3133,1621 @@
             <p:ph idx="1"/>
           </p:nvPr>
         </p:nvSpPr>
-        <p:spPr/>
-        <p:txBody>
-          <a:bodyPr/>
-          <a:lstStyle/>
-          <a:p>
-            <a:endParaRPr lang="es-ES"/>
+        <p:spPr>
+          <a:xfrm>
+            <a:off x="940837" y="2973291"/>
+            <a:ext cx="10515600" cy="1104187"/>
+          </a:xfrm>
+        </p:spPr>
+        <p:txBody>
+          <a:bodyPr>
+            <a:normAutofit fontScale="92500"/>
+          </a:bodyPr>
+          <a:lstStyle/>
+          <a:p>
+            <a:r>
+              <a:rPr lang="es-ES" b="1" dirty="0" smtClean="0">
+                <a:latin typeface="Arial" panose="020B0604020202020204" pitchFamily="34" charset="0"/>
+                <a:cs typeface="Arial" panose="020B0604020202020204" pitchFamily="34" charset="0"/>
+              </a:rPr>
+              <a:t>Si nos enfocamos sólo en el servicio de internet, telefonía móvil y TV paga los ingresos para el 2021 superan los 600M.</a:t>
+            </a:r>
+          </a:p>
+          <a:p>
+            <a:endParaRPr lang="es-ES" dirty="0"/>
           </a:p>
         </p:txBody>
       </p:sp>
     </p:spTree>
     <p:extLst>
       <p:ext uri="{BB962C8B-B14F-4D97-AF65-F5344CB8AC3E}">
-        <p14:creationId xmlns:p14="http://schemas.microsoft.com/office/powerpoint/2010/main" val="3420559470"/>
+        <p14:creationId xmlns:p14="http://schemas.microsoft.com/office/powerpoint/2010/main" val="1110119081"/>
       </p:ext>
     </p:extLst>
   </p:cSld>
   <p:clrMapOvr>
-    <a:masterClrMapping/>
+    <a:overrideClrMapping bg1="lt1" tx1="dk1" bg2="lt2" tx2="dk2" accent1="accent1" accent2="accent2" accent3="accent3" accent4="accent4" accent5="accent5" accent6="accent6" hlink="hlink" folHlink="folHlink"/>
   </p:clrMapOvr>
+  <p:timing>
+    <p:tnLst>
+      <p:par>
+        <p:cTn id="1" dur="indefinite" restart="never" nodeType="tmRoot"/>
+      </p:par>
+    </p:tnLst>
+  </p:timing>
+</p:sld>
+</file>
+
+<file path=ppt/slides/slide11.xml><?xml version="1.0" encoding="utf-8"?>
+<p:sld xmlns:a="http://schemas.openxmlformats.org/drawingml/2006/main" xmlns:r="http://schemas.openxmlformats.org/officeDocument/2006/relationships" xmlns:p="http://schemas.openxmlformats.org/presentationml/2006/main">
+  <p:cSld>
+    <p:bg>
+      <p:bgPr>
+        <a:solidFill>
+          <a:schemeClr val="accent5">
+            <a:lumMod val="60000"/>
+            <a:lumOff val="40000"/>
+          </a:schemeClr>
+        </a:solidFill>
+        <a:effectLst/>
+      </p:bgPr>
+    </p:bg>
+    <p:spTree>
+      <p:nvGrpSpPr>
+        <p:cNvPr id="1" name=""/>
+        <p:cNvGrpSpPr/>
+        <p:nvPr/>
+      </p:nvGrpSpPr>
+      <p:grpSpPr>
+        <a:xfrm>
+          <a:off x="0" y="0"/>
+          <a:ext cx="0" cy="0"/>
+          <a:chOff x="0" y="0"/>
+          <a:chExt cx="0" cy="0"/>
+        </a:xfrm>
+      </p:grpSpPr>
+      <p:sp>
+        <p:nvSpPr>
+          <p:cNvPr id="3" name="Marcador de contenido 2"/>
+          <p:cNvSpPr>
+            <a:spLocks noGrp="1"/>
+          </p:cNvSpPr>
+          <p:nvPr>
+            <p:ph idx="1"/>
+          </p:nvPr>
+        </p:nvSpPr>
+        <p:spPr>
+          <a:xfrm>
+            <a:off x="912845" y="3010612"/>
+            <a:ext cx="10515600" cy="1076195"/>
+          </a:xfrm>
+        </p:spPr>
+        <p:txBody>
+          <a:bodyPr>
+            <a:normAutofit fontScale="92500" lnSpcReduction="10000"/>
+          </a:bodyPr>
+          <a:lstStyle/>
+          <a:p>
+            <a:r>
+              <a:rPr lang="es-ES" b="1" dirty="0">
+                <a:latin typeface="Arial" panose="020B0604020202020204" pitchFamily="34" charset="0"/>
+                <a:cs typeface="Arial" panose="020B0604020202020204" pitchFamily="34" charset="0"/>
+              </a:rPr>
+              <a:t>Al invertir en el desarrollo de nuevos productos comerciales para estas tres áreas estaríamos apuntando a +90% población argentina.</a:t>
+            </a:r>
+          </a:p>
+          <a:p>
+            <a:endParaRPr lang="es-ES" dirty="0"/>
+          </a:p>
+        </p:txBody>
+      </p:sp>
+    </p:spTree>
+    <p:extLst>
+      <p:ext uri="{BB962C8B-B14F-4D97-AF65-F5344CB8AC3E}">
+        <p14:creationId xmlns:p14="http://schemas.microsoft.com/office/powerpoint/2010/main" val="1036688608"/>
+      </p:ext>
+    </p:extLst>
+  </p:cSld>
+  <p:clrMapOvr>
+    <a:overrideClrMapping bg1="lt1" tx1="dk1" bg2="lt2" tx2="dk2" accent1="accent1" accent2="accent2" accent3="accent3" accent4="accent4" accent5="accent5" accent6="accent6" hlink="hlink" folHlink="folHlink"/>
+  </p:clrMapOvr>
+  <p:timing>
+    <p:tnLst>
+      <p:par>
+        <p:cTn id="1" dur="indefinite" restart="never" nodeType="tmRoot"/>
+      </p:par>
+    </p:tnLst>
+  </p:timing>
+</p:sld>
+</file>
+
+<file path=ppt/slides/slide12.xml><?xml version="1.0" encoding="utf-8"?>
+<p:sld xmlns:a="http://schemas.openxmlformats.org/drawingml/2006/main" xmlns:r="http://schemas.openxmlformats.org/officeDocument/2006/relationships" xmlns:p="http://schemas.openxmlformats.org/presentationml/2006/main">
+  <p:cSld>
+    <p:bg>
+      <p:bgPr>
+        <a:solidFill>
+          <a:schemeClr val="accent5">
+            <a:lumMod val="60000"/>
+            <a:lumOff val="40000"/>
+          </a:schemeClr>
+        </a:solidFill>
+        <a:effectLst/>
+      </p:bgPr>
+    </p:bg>
+    <p:spTree>
+      <p:nvGrpSpPr>
+        <p:cNvPr id="1" name=""/>
+        <p:cNvGrpSpPr/>
+        <p:nvPr/>
+      </p:nvGrpSpPr>
+      <p:grpSpPr>
+        <a:xfrm>
+          <a:off x="0" y="0"/>
+          <a:ext cx="0" cy="0"/>
+          <a:chOff x="0" y="0"/>
+          <a:chExt cx="0" cy="0"/>
+        </a:xfrm>
+      </p:grpSpPr>
+      <p:sp>
+        <p:nvSpPr>
+          <p:cNvPr id="3" name="Marcador de contenido 2"/>
+          <p:cNvSpPr>
+            <a:spLocks noGrp="1"/>
+          </p:cNvSpPr>
+          <p:nvPr>
+            <p:ph idx="1"/>
+          </p:nvPr>
+        </p:nvSpPr>
+        <p:spPr>
+          <a:xfrm>
+            <a:off x="847530" y="2945298"/>
+            <a:ext cx="10515600" cy="945567"/>
+          </a:xfrm>
+        </p:spPr>
+        <p:txBody>
+          <a:bodyPr/>
+          <a:lstStyle/>
+          <a:p>
+            <a:r>
+              <a:rPr lang="es-ES" b="1" dirty="0">
+                <a:latin typeface="Arial" panose="020B0604020202020204" pitchFamily="34" charset="0"/>
+                <a:cs typeface="Arial" panose="020B0604020202020204" pitchFamily="34" charset="0"/>
+              </a:rPr>
+              <a:t>La telefonía fija está cayendo y sus ingresos, frente a la telefonía móvil, sólo es del 25% </a:t>
+            </a:r>
+            <a:r>
+              <a:rPr lang="es-ES" b="1" dirty="0" smtClean="0">
+                <a:latin typeface="Arial" panose="020B0604020202020204" pitchFamily="34" charset="0"/>
+                <a:cs typeface="Arial" panose="020B0604020202020204" pitchFamily="34" charset="0"/>
+              </a:rPr>
+              <a:t>de la suma de ambos.</a:t>
+            </a:r>
+            <a:endParaRPr lang="es-ES" b="1" dirty="0">
+              <a:latin typeface="Arial" panose="020B0604020202020204" pitchFamily="34" charset="0"/>
+              <a:cs typeface="Arial" panose="020B0604020202020204" pitchFamily="34" charset="0"/>
+            </a:endParaRPr>
+          </a:p>
+          <a:p>
+            <a:endParaRPr lang="es-ES" dirty="0"/>
+          </a:p>
+        </p:txBody>
+      </p:sp>
+    </p:spTree>
+    <p:extLst>
+      <p:ext uri="{BB962C8B-B14F-4D97-AF65-F5344CB8AC3E}">
+        <p14:creationId xmlns:p14="http://schemas.microsoft.com/office/powerpoint/2010/main" val="3649355773"/>
+      </p:ext>
+    </p:extLst>
+  </p:cSld>
+  <p:clrMapOvr>
+    <a:overrideClrMapping bg1="lt1" tx1="dk1" bg2="lt2" tx2="dk2" accent1="accent1" accent2="accent2" accent3="accent3" accent4="accent4" accent5="accent5" accent6="accent6" hlink="hlink" folHlink="folHlink"/>
+  </p:clrMapOvr>
+  <p:timing>
+    <p:tnLst>
+      <p:par>
+        <p:cTn id="1" dur="indefinite" restart="never" nodeType="tmRoot"/>
+      </p:par>
+    </p:tnLst>
+  </p:timing>
+</p:sld>
+</file>
+
+<file path=ppt/slides/slide13.xml><?xml version="1.0" encoding="utf-8"?>
+<p:sld xmlns:a="http://schemas.openxmlformats.org/drawingml/2006/main" xmlns:r="http://schemas.openxmlformats.org/officeDocument/2006/relationships" xmlns:p="http://schemas.openxmlformats.org/presentationml/2006/main">
+  <p:cSld>
+    <p:bg>
+      <p:bgPr>
+        <a:solidFill>
+          <a:schemeClr val="accent5">
+            <a:lumMod val="60000"/>
+            <a:lumOff val="40000"/>
+          </a:schemeClr>
+        </a:solidFill>
+        <a:effectLst/>
+      </p:bgPr>
+    </p:bg>
+    <p:spTree>
+      <p:nvGrpSpPr>
+        <p:cNvPr id="1" name=""/>
+        <p:cNvGrpSpPr/>
+        <p:nvPr/>
+      </p:nvGrpSpPr>
+      <p:grpSpPr>
+        <a:xfrm>
+          <a:off x="0" y="0"/>
+          <a:ext cx="0" cy="0"/>
+          <a:chOff x="0" y="0"/>
+          <a:chExt cx="0" cy="0"/>
+        </a:xfrm>
+      </p:grpSpPr>
+      <p:sp>
+        <p:nvSpPr>
+          <p:cNvPr id="3" name="Marcador de contenido 2"/>
+          <p:cNvSpPr>
+            <a:spLocks noGrp="1"/>
+          </p:cNvSpPr>
+          <p:nvPr>
+            <p:ph idx="1"/>
+          </p:nvPr>
+        </p:nvSpPr>
+        <p:spPr>
+          <a:xfrm>
+            <a:off x="912845" y="3253208"/>
+            <a:ext cx="10515600" cy="749624"/>
+          </a:xfrm>
+        </p:spPr>
+        <p:txBody>
+          <a:bodyPr>
+            <a:normAutofit fontScale="92500"/>
+          </a:bodyPr>
+          <a:lstStyle/>
+          <a:p>
+            <a:r>
+              <a:rPr lang="es-ES" b="1" dirty="0">
+                <a:latin typeface="Arial" panose="020B0604020202020204" pitchFamily="34" charset="0"/>
+                <a:cs typeface="Arial" panose="020B0604020202020204" pitchFamily="34" charset="0"/>
+              </a:rPr>
+              <a:t>Lo mismo pasa con la TV. Los ingresos de TV paga son +65%</a:t>
+            </a:r>
+          </a:p>
+          <a:p>
+            <a:endParaRPr lang="es-ES" dirty="0"/>
+          </a:p>
+        </p:txBody>
+      </p:sp>
+    </p:spTree>
+    <p:extLst>
+      <p:ext uri="{BB962C8B-B14F-4D97-AF65-F5344CB8AC3E}">
+        <p14:creationId xmlns:p14="http://schemas.microsoft.com/office/powerpoint/2010/main" val="2361096531"/>
+      </p:ext>
+    </p:extLst>
+  </p:cSld>
+  <p:clrMapOvr>
+    <a:overrideClrMapping bg1="lt1" tx1="dk1" bg2="lt2" tx2="dk2" accent1="accent1" accent2="accent2" accent3="accent3" accent4="accent4" accent5="accent5" accent6="accent6" hlink="hlink" folHlink="folHlink"/>
+  </p:clrMapOvr>
+  <p:timing>
+    <p:tnLst>
+      <p:par>
+        <p:cTn id="1" dur="indefinite" restart="never" nodeType="tmRoot"/>
+      </p:par>
+    </p:tnLst>
+  </p:timing>
+</p:sld>
+</file>
+
+<file path=ppt/slides/slide14.xml><?xml version="1.0" encoding="utf-8"?>
+<p:sld xmlns:a="http://schemas.openxmlformats.org/drawingml/2006/main" xmlns:r="http://schemas.openxmlformats.org/officeDocument/2006/relationships" xmlns:p="http://schemas.openxmlformats.org/presentationml/2006/main">
+  <p:cSld>
+    <p:bg>
+      <p:bgPr>
+        <a:solidFill>
+          <a:schemeClr val="accent5">
+            <a:lumMod val="60000"/>
+            <a:lumOff val="40000"/>
+          </a:schemeClr>
+        </a:solidFill>
+        <a:effectLst/>
+      </p:bgPr>
+    </p:bg>
+    <p:spTree>
+      <p:nvGrpSpPr>
+        <p:cNvPr id="1" name=""/>
+        <p:cNvGrpSpPr/>
+        <p:nvPr/>
+      </p:nvGrpSpPr>
+      <p:grpSpPr>
+        <a:xfrm>
+          <a:off x="0" y="0"/>
+          <a:ext cx="0" cy="0"/>
+          <a:chOff x="0" y="0"/>
+          <a:chExt cx="0" cy="0"/>
+        </a:xfrm>
+      </p:grpSpPr>
+      <p:sp>
+        <p:nvSpPr>
+          <p:cNvPr id="2" name="Título 1"/>
+          <p:cNvSpPr>
+            <a:spLocks noGrp="1"/>
+          </p:cNvSpPr>
+          <p:nvPr>
+            <p:ph type="title"/>
+          </p:nvPr>
+        </p:nvSpPr>
+        <p:spPr>
+          <a:xfrm>
+            <a:off x="940836" y="2585811"/>
+            <a:ext cx="10515600" cy="1325563"/>
+          </a:xfrm>
+        </p:spPr>
+        <p:txBody>
+          <a:bodyPr/>
+          <a:lstStyle/>
+          <a:p>
+            <a:pPr algn="ctr"/>
+            <a:r>
+              <a:rPr lang="es-ES" b="1" dirty="0" smtClean="0">
+                <a:solidFill>
+                  <a:schemeClr val="bg1"/>
+                </a:solidFill>
+                <a:latin typeface="Arial" panose="020B0604020202020204" pitchFamily="34" charset="0"/>
+                <a:cs typeface="Arial" panose="020B0604020202020204" pitchFamily="34" charset="0"/>
+              </a:rPr>
+              <a:t>Muchas gracias por su atención.</a:t>
+            </a:r>
+            <a:endParaRPr lang="es-ES" b="1" dirty="0">
+              <a:solidFill>
+                <a:schemeClr val="bg1"/>
+              </a:solidFill>
+              <a:latin typeface="Arial" panose="020B0604020202020204" pitchFamily="34" charset="0"/>
+              <a:cs typeface="Arial" panose="020B0604020202020204" pitchFamily="34" charset="0"/>
+            </a:endParaRPr>
+          </a:p>
+        </p:txBody>
+      </p:sp>
+    </p:spTree>
+    <p:extLst>
+      <p:ext uri="{BB962C8B-B14F-4D97-AF65-F5344CB8AC3E}">
+        <p14:creationId xmlns:p14="http://schemas.microsoft.com/office/powerpoint/2010/main" val="1174843751"/>
+      </p:ext>
+    </p:extLst>
+  </p:cSld>
+  <p:clrMapOvr>
+    <a:overrideClrMapping bg1="lt1" tx1="dk1" bg2="lt2" tx2="dk2" accent1="accent1" accent2="accent2" accent3="accent3" accent4="accent4" accent5="accent5" accent6="accent6" hlink="hlink" folHlink="folHlink"/>
+  </p:clrMapOvr>
+  <p:timing>
+    <p:tnLst>
+      <p:par>
+        <p:cTn id="1" dur="indefinite" restart="never" nodeType="tmRoot"/>
+      </p:par>
+    </p:tnLst>
+  </p:timing>
+</p:sld>
+</file>
+
+<file path=ppt/slides/slide2.xml><?xml version="1.0" encoding="utf-8"?>
+<p:sld xmlns:a="http://schemas.openxmlformats.org/drawingml/2006/main" xmlns:r="http://schemas.openxmlformats.org/officeDocument/2006/relationships" xmlns:p="http://schemas.openxmlformats.org/presentationml/2006/main">
+  <p:cSld>
+    <p:bg>
+      <p:bgPr>
+        <a:solidFill>
+          <a:schemeClr val="accent5">
+            <a:lumMod val="60000"/>
+            <a:lumOff val="40000"/>
+          </a:schemeClr>
+        </a:solidFill>
+        <a:effectLst/>
+      </p:bgPr>
+    </p:bg>
+    <p:spTree>
+      <p:nvGrpSpPr>
+        <p:cNvPr id="1" name=""/>
+        <p:cNvGrpSpPr/>
+        <p:nvPr/>
+      </p:nvGrpSpPr>
+      <p:grpSpPr>
+        <a:xfrm>
+          <a:off x="0" y="0"/>
+          <a:ext cx="0" cy="0"/>
+          <a:chOff x="0" y="0"/>
+          <a:chExt cx="0" cy="0"/>
+        </a:xfrm>
+      </p:grpSpPr>
+      <p:sp>
+        <p:nvSpPr>
+          <p:cNvPr id="2" name="Título 1"/>
+          <p:cNvSpPr>
+            <a:spLocks noGrp="1"/>
+          </p:cNvSpPr>
+          <p:nvPr>
+            <p:ph type="title"/>
+          </p:nvPr>
+        </p:nvSpPr>
+        <p:spPr/>
+        <p:txBody>
+          <a:bodyPr/>
+          <a:lstStyle/>
+          <a:p>
+            <a:pPr algn="ctr"/>
+            <a:r>
+              <a:rPr lang="es-ES" b="1" u="sng" dirty="0" smtClean="0">
+                <a:solidFill>
+                  <a:schemeClr val="bg1"/>
+                </a:solidFill>
+                <a:latin typeface="Arial" panose="020B0604020202020204" pitchFamily="34" charset="0"/>
+                <a:cs typeface="Arial" panose="020B0604020202020204" pitchFamily="34" charset="0"/>
+              </a:rPr>
+              <a:t>Objetivo</a:t>
+            </a:r>
+            <a:endParaRPr lang="es-ES" b="1" u="sng" dirty="0">
+              <a:solidFill>
+                <a:schemeClr val="bg1"/>
+              </a:solidFill>
+              <a:latin typeface="Arial" panose="020B0604020202020204" pitchFamily="34" charset="0"/>
+              <a:cs typeface="Arial" panose="020B0604020202020204" pitchFamily="34" charset="0"/>
+            </a:endParaRPr>
+          </a:p>
+        </p:txBody>
+      </p:sp>
+      <p:sp>
+        <p:nvSpPr>
+          <p:cNvPr id="3" name="Marcador de contenido 2"/>
+          <p:cNvSpPr>
+            <a:spLocks noGrp="1"/>
+          </p:cNvSpPr>
+          <p:nvPr>
+            <p:ph idx="1"/>
+          </p:nvPr>
+        </p:nvSpPr>
+        <p:spPr>
+          <a:xfrm>
+            <a:off x="838200" y="2824001"/>
+            <a:ext cx="10515600" cy="1216155"/>
+          </a:xfrm>
+        </p:spPr>
+        <p:txBody>
+          <a:bodyPr>
+            <a:normAutofit/>
+          </a:bodyPr>
+          <a:lstStyle/>
+          <a:p>
+            <a:pPr marL="0" indent="0" algn="ctr">
+              <a:buNone/>
+            </a:pPr>
+            <a:r>
+              <a:rPr lang="es-ES" sz="3600" b="1" dirty="0" smtClean="0">
+                <a:latin typeface="Arial" panose="020B0604020202020204" pitchFamily="34" charset="0"/>
+                <a:cs typeface="Arial" panose="020B0604020202020204" pitchFamily="34" charset="0"/>
+              </a:rPr>
+              <a:t>Reconocer el comportamiento del sector en Argentina</a:t>
+            </a:r>
+            <a:endParaRPr lang="es-ES" sz="3600" b="1" dirty="0">
+              <a:latin typeface="Arial" panose="020B0604020202020204" pitchFamily="34" charset="0"/>
+              <a:cs typeface="Arial" panose="020B0604020202020204" pitchFamily="34" charset="0"/>
+            </a:endParaRPr>
+          </a:p>
+        </p:txBody>
+      </p:sp>
+    </p:spTree>
+    <p:extLst>
+      <p:ext uri="{BB962C8B-B14F-4D97-AF65-F5344CB8AC3E}">
+        <p14:creationId xmlns:p14="http://schemas.microsoft.com/office/powerpoint/2010/main" val="2285104781"/>
+      </p:ext>
+    </p:extLst>
+  </p:cSld>
+  <p:clrMapOvr>
+    <a:overrideClrMapping bg1="lt1" tx1="dk1" bg2="lt2" tx2="dk2" accent1="accent1" accent2="accent2" accent3="accent3" accent4="accent4" accent5="accent5" accent6="accent6" hlink="hlink" folHlink="folHlink"/>
+  </p:clrMapOvr>
+  <p:timing>
+    <p:tnLst>
+      <p:par>
+        <p:cTn id="1" dur="indefinite" restart="never" nodeType="tmRoot"/>
+      </p:par>
+    </p:tnLst>
+  </p:timing>
+</p:sld>
+</file>
+
+<file path=ppt/slides/slide3.xml><?xml version="1.0" encoding="utf-8"?>
+<p:sld xmlns:a="http://schemas.openxmlformats.org/drawingml/2006/main" xmlns:r="http://schemas.openxmlformats.org/officeDocument/2006/relationships" xmlns:p="http://schemas.openxmlformats.org/presentationml/2006/main">
+  <p:cSld>
+    <p:bg>
+      <p:bgPr>
+        <a:solidFill>
+          <a:schemeClr val="accent5">
+            <a:lumMod val="60000"/>
+            <a:lumOff val="40000"/>
+          </a:schemeClr>
+        </a:solidFill>
+        <a:effectLst/>
+      </p:bgPr>
+    </p:bg>
+    <p:spTree>
+      <p:nvGrpSpPr>
+        <p:cNvPr id="1" name=""/>
+        <p:cNvGrpSpPr/>
+        <p:nvPr/>
+      </p:nvGrpSpPr>
+      <p:grpSpPr>
+        <a:xfrm>
+          <a:off x="0" y="0"/>
+          <a:ext cx="0" cy="0"/>
+          <a:chOff x="0" y="0"/>
+          <a:chExt cx="0" cy="0"/>
+        </a:xfrm>
+      </p:grpSpPr>
+      <p:sp>
+        <p:nvSpPr>
+          <p:cNvPr id="2" name="Título 1"/>
+          <p:cNvSpPr>
+            <a:spLocks noGrp="1"/>
+          </p:cNvSpPr>
+          <p:nvPr>
+            <p:ph type="title"/>
+          </p:nvPr>
+        </p:nvSpPr>
+        <p:spPr/>
+        <p:txBody>
+          <a:bodyPr/>
+          <a:lstStyle/>
+          <a:p>
+            <a:pPr algn="ctr"/>
+            <a:r>
+              <a:rPr lang="es-ES" b="1" u="sng" dirty="0" smtClean="0">
+                <a:solidFill>
+                  <a:schemeClr val="bg1"/>
+                </a:solidFill>
+                <a:latin typeface="Arial" panose="020B0604020202020204" pitchFamily="34" charset="0"/>
+                <a:cs typeface="Arial" panose="020B0604020202020204" pitchFamily="34" charset="0"/>
+              </a:rPr>
+              <a:t>Uso del Internet en Argentina</a:t>
+            </a:r>
+            <a:endParaRPr lang="es-ES" b="1" u="sng" dirty="0">
+              <a:solidFill>
+                <a:schemeClr val="bg1"/>
+              </a:solidFill>
+              <a:latin typeface="Arial" panose="020B0604020202020204" pitchFamily="34" charset="0"/>
+              <a:cs typeface="Arial" panose="020B0604020202020204" pitchFamily="34" charset="0"/>
+            </a:endParaRPr>
+          </a:p>
+        </p:txBody>
+      </p:sp>
+      <p:sp>
+        <p:nvSpPr>
+          <p:cNvPr id="5" name="CuadroTexto 4"/>
+          <p:cNvSpPr txBox="1"/>
+          <p:nvPr/>
+        </p:nvSpPr>
+        <p:spPr>
+          <a:xfrm>
+            <a:off x="7128588" y="1863964"/>
+            <a:ext cx="4917232" cy="2585323"/>
+          </a:xfrm>
+          <a:prstGeom prst="rect">
+            <a:avLst/>
+          </a:prstGeom>
+          <a:solidFill>
+            <a:schemeClr val="accent5">
+              <a:lumMod val="60000"/>
+              <a:lumOff val="40000"/>
+            </a:schemeClr>
+          </a:solidFill>
+        </p:spPr>
+        <p:txBody>
+          <a:bodyPr wrap="square" rtlCol="0">
+            <a:spAutoFit/>
+          </a:bodyPr>
+          <a:lstStyle/>
+          <a:p>
+            <a:r>
+              <a:rPr lang="es-ES" sz="5400" b="1" dirty="0" smtClean="0">
+                <a:latin typeface="Arial" panose="020B0604020202020204" pitchFamily="34" charset="0"/>
+                <a:cs typeface="Arial" panose="020B0604020202020204" pitchFamily="34" charset="0"/>
+              </a:rPr>
+              <a:t>90% de la población en 2021</a:t>
+            </a:r>
+            <a:endParaRPr lang="es-ES" sz="2800" b="1" dirty="0">
+              <a:latin typeface="Arial" panose="020B0604020202020204" pitchFamily="34" charset="0"/>
+              <a:cs typeface="Arial" panose="020B0604020202020204" pitchFamily="34" charset="0"/>
+            </a:endParaRPr>
+          </a:p>
+        </p:txBody>
+      </p:sp>
+      <p:pic>
+        <p:nvPicPr>
+          <p:cNvPr id="9" name="Marcador de contenido 8"/>
+          <p:cNvPicPr>
+            <a:picLocks noGrp="1" noChangeAspect="1"/>
+          </p:cNvPicPr>
+          <p:nvPr>
+            <p:ph idx="1"/>
+          </p:nvPr>
+        </p:nvPicPr>
+        <p:blipFill rotWithShape="1">
+          <a:blip r:embed="rId3"/>
+          <a:srcRect l="2495" t="17752" r="2533" b="12952"/>
+          <a:stretch/>
+        </p:blipFill>
+        <p:spPr>
+          <a:xfrm>
+            <a:off x="838199" y="2062065"/>
+            <a:ext cx="6073212" cy="3657600"/>
+          </a:xfrm>
+          <a:prstGeom prst="rect">
+            <a:avLst/>
+          </a:prstGeom>
+        </p:spPr>
+      </p:pic>
+      <p:sp>
+        <p:nvSpPr>
+          <p:cNvPr id="10" name="CuadroTexto 9"/>
+          <p:cNvSpPr txBox="1"/>
+          <p:nvPr/>
+        </p:nvSpPr>
+        <p:spPr>
+          <a:xfrm>
+            <a:off x="838199" y="1592660"/>
+            <a:ext cx="5152053" cy="369332"/>
+          </a:xfrm>
+          <a:prstGeom prst="rect">
+            <a:avLst/>
+          </a:prstGeom>
+          <a:noFill/>
+        </p:spPr>
+        <p:txBody>
+          <a:bodyPr wrap="square" rtlCol="0">
+            <a:spAutoFit/>
+          </a:bodyPr>
+          <a:lstStyle/>
+          <a:p>
+            <a:r>
+              <a:rPr lang="es-ES" b="1" dirty="0" smtClean="0">
+                <a:latin typeface="Arial" panose="020B0604020202020204" pitchFamily="34" charset="0"/>
+                <a:cs typeface="Arial" panose="020B0604020202020204" pitchFamily="34" charset="0"/>
+              </a:rPr>
+              <a:t>% Personas que usan Internet</a:t>
+            </a:r>
+            <a:endParaRPr lang="es-ES" b="1" dirty="0">
+              <a:latin typeface="Arial" panose="020B0604020202020204" pitchFamily="34" charset="0"/>
+              <a:cs typeface="Arial" panose="020B0604020202020204" pitchFamily="34" charset="0"/>
+            </a:endParaRPr>
+          </a:p>
+        </p:txBody>
+      </p:sp>
+    </p:spTree>
+    <p:extLst>
+      <p:ext uri="{BB962C8B-B14F-4D97-AF65-F5344CB8AC3E}">
+        <p14:creationId xmlns:p14="http://schemas.microsoft.com/office/powerpoint/2010/main" val="2546016162"/>
+      </p:ext>
+    </p:extLst>
+  </p:cSld>
+  <p:clrMapOvr>
+    <a:overrideClrMapping bg1="lt1" tx1="dk1" bg2="lt2" tx2="dk2" accent1="accent1" accent2="accent2" accent3="accent3" accent4="accent4" accent5="accent5" accent6="accent6" hlink="hlink" folHlink="folHlink"/>
+  </p:clrMapOvr>
+  <p:timing>
+    <p:tnLst>
+      <p:par>
+        <p:cTn id="1" dur="indefinite" restart="never" nodeType="tmRoot"/>
+      </p:par>
+    </p:tnLst>
+  </p:timing>
+</p:sld>
+</file>
+
+<file path=ppt/slides/slide4.xml><?xml version="1.0" encoding="utf-8"?>
+<p:sld xmlns:a="http://schemas.openxmlformats.org/drawingml/2006/main" xmlns:r="http://schemas.openxmlformats.org/officeDocument/2006/relationships" xmlns:p="http://schemas.openxmlformats.org/presentationml/2006/main">
+  <p:cSld>
+    <p:bg>
+      <p:bgPr>
+        <a:solidFill>
+          <a:schemeClr val="accent5">
+            <a:lumMod val="60000"/>
+            <a:lumOff val="40000"/>
+          </a:schemeClr>
+        </a:solidFill>
+        <a:effectLst/>
+      </p:bgPr>
+    </p:bg>
+    <p:spTree>
+      <p:nvGrpSpPr>
+        <p:cNvPr id="1" name=""/>
+        <p:cNvGrpSpPr/>
+        <p:nvPr/>
+      </p:nvGrpSpPr>
+      <p:grpSpPr>
+        <a:xfrm>
+          <a:off x="0" y="0"/>
+          <a:ext cx="0" cy="0"/>
+          <a:chOff x="0" y="0"/>
+          <a:chExt cx="0" cy="0"/>
+        </a:xfrm>
+      </p:grpSpPr>
+      <p:sp>
+        <p:nvSpPr>
+          <p:cNvPr id="2" name="Título 1"/>
+          <p:cNvSpPr>
+            <a:spLocks noGrp="1"/>
+          </p:cNvSpPr>
+          <p:nvPr>
+            <p:ph type="title"/>
+          </p:nvPr>
+        </p:nvSpPr>
+        <p:spPr/>
+        <p:txBody>
+          <a:bodyPr/>
+          <a:lstStyle/>
+          <a:p>
+            <a:pPr algn="ctr"/>
+            <a:r>
+              <a:rPr lang="es-ES" b="1" dirty="0" smtClean="0">
+                <a:solidFill>
+                  <a:schemeClr val="bg1"/>
+                </a:solidFill>
+                <a:latin typeface="Arial" panose="020B0604020202020204" pitchFamily="34" charset="0"/>
+                <a:cs typeface="Arial" panose="020B0604020202020204" pitchFamily="34" charset="0"/>
+              </a:rPr>
+              <a:t>Ingresos por el Servicio de Internet</a:t>
+            </a:r>
+            <a:endParaRPr lang="es-ES" b="1" dirty="0">
+              <a:solidFill>
+                <a:schemeClr val="bg1"/>
+              </a:solidFill>
+              <a:latin typeface="Arial" panose="020B0604020202020204" pitchFamily="34" charset="0"/>
+              <a:cs typeface="Arial" panose="020B0604020202020204" pitchFamily="34" charset="0"/>
+            </a:endParaRPr>
+          </a:p>
+        </p:txBody>
+      </p:sp>
+      <p:pic>
+        <p:nvPicPr>
+          <p:cNvPr id="7" name="Imagen 6"/>
+          <p:cNvPicPr>
+            <a:picLocks noChangeAspect="1"/>
+          </p:cNvPicPr>
+          <p:nvPr/>
+        </p:nvPicPr>
+        <p:blipFill rotWithShape="1">
+          <a:blip r:embed="rId3"/>
+          <a:srcRect l="18347" t="42946" r="41371" b="20631"/>
+          <a:stretch/>
+        </p:blipFill>
+        <p:spPr>
+          <a:xfrm>
+            <a:off x="65314" y="1530221"/>
+            <a:ext cx="8549031" cy="4348065"/>
+          </a:xfrm>
+          <a:prstGeom prst="rect">
+            <a:avLst/>
+          </a:prstGeom>
+        </p:spPr>
+      </p:pic>
+      <p:sp>
+        <p:nvSpPr>
+          <p:cNvPr id="9" name="CuadroTexto 8"/>
+          <p:cNvSpPr txBox="1"/>
+          <p:nvPr/>
+        </p:nvSpPr>
+        <p:spPr>
+          <a:xfrm>
+            <a:off x="8388220" y="2855784"/>
+            <a:ext cx="3704253" cy="1815882"/>
+          </a:xfrm>
+          <a:prstGeom prst="rect">
+            <a:avLst/>
+          </a:prstGeom>
+          <a:noFill/>
+        </p:spPr>
+        <p:txBody>
+          <a:bodyPr wrap="square" rtlCol="0">
+            <a:spAutoFit/>
+          </a:bodyPr>
+          <a:lstStyle/>
+          <a:p>
+            <a:r>
+              <a:rPr lang="es-ES" sz="2800" b="1" dirty="0" smtClean="0">
+                <a:latin typeface="Arial" panose="020B0604020202020204" pitchFamily="34" charset="0"/>
+                <a:cs typeface="Arial" panose="020B0604020202020204" pitchFamily="34" charset="0"/>
+              </a:rPr>
+              <a:t>+ 70% respecto a 2021 </a:t>
+            </a:r>
+          </a:p>
+          <a:p>
+            <a:r>
+              <a:rPr lang="es-ES" sz="2800" b="1" dirty="0" smtClean="0">
+                <a:latin typeface="Arial" panose="020B0604020202020204" pitchFamily="34" charset="0"/>
+                <a:cs typeface="Arial" panose="020B0604020202020204" pitchFamily="34" charset="0"/>
+              </a:rPr>
+              <a:t>(solo el primer trimestre)</a:t>
+            </a:r>
+            <a:endParaRPr lang="es-ES" sz="2800" b="1" dirty="0">
+              <a:latin typeface="Arial" panose="020B0604020202020204" pitchFamily="34" charset="0"/>
+              <a:cs typeface="Arial" panose="020B0604020202020204" pitchFamily="34" charset="0"/>
+            </a:endParaRPr>
+          </a:p>
+        </p:txBody>
+      </p:sp>
+    </p:spTree>
+    <p:extLst>
+      <p:ext uri="{BB962C8B-B14F-4D97-AF65-F5344CB8AC3E}">
+        <p14:creationId xmlns:p14="http://schemas.microsoft.com/office/powerpoint/2010/main" val="3322533541"/>
+      </p:ext>
+    </p:extLst>
+  </p:cSld>
+  <p:clrMapOvr>
+    <a:overrideClrMapping bg1="lt1" tx1="dk1" bg2="lt2" tx2="dk2" accent1="accent1" accent2="accent2" accent3="accent3" accent4="accent4" accent5="accent5" accent6="accent6" hlink="hlink" folHlink="folHlink"/>
+  </p:clrMapOvr>
+  <p:timing>
+    <p:tnLst>
+      <p:par>
+        <p:cTn id="1" dur="indefinite" restart="never" nodeType="tmRoot"/>
+      </p:par>
+    </p:tnLst>
+  </p:timing>
+</p:sld>
+</file>
+
+<file path=ppt/slides/slide5.xml><?xml version="1.0" encoding="utf-8"?>
+<p:sld xmlns:a="http://schemas.openxmlformats.org/drawingml/2006/main" xmlns:r="http://schemas.openxmlformats.org/officeDocument/2006/relationships" xmlns:p="http://schemas.openxmlformats.org/presentationml/2006/main">
+  <p:cSld>
+    <p:bg>
+      <p:bgPr>
+        <a:solidFill>
+          <a:schemeClr val="accent5">
+            <a:lumMod val="60000"/>
+            <a:lumOff val="40000"/>
+          </a:schemeClr>
+        </a:solidFill>
+        <a:effectLst/>
+      </p:bgPr>
+    </p:bg>
+    <p:spTree>
+      <p:nvGrpSpPr>
+        <p:cNvPr id="1" name=""/>
+        <p:cNvGrpSpPr/>
+        <p:nvPr/>
+      </p:nvGrpSpPr>
+      <p:grpSpPr>
+        <a:xfrm>
+          <a:off x="0" y="0"/>
+          <a:ext cx="0" cy="0"/>
+          <a:chOff x="0" y="0"/>
+          <a:chExt cx="0" cy="0"/>
+        </a:xfrm>
+      </p:grpSpPr>
+      <p:sp>
+        <p:nvSpPr>
+          <p:cNvPr id="3" name="Marcador de contenido 2"/>
+          <p:cNvSpPr>
+            <a:spLocks noGrp="1"/>
+          </p:cNvSpPr>
+          <p:nvPr>
+            <p:ph idx="1"/>
+          </p:nvPr>
+        </p:nvSpPr>
+        <p:spPr>
+          <a:xfrm>
+            <a:off x="642257" y="2824001"/>
+            <a:ext cx="11104984" cy="1458751"/>
+          </a:xfrm>
+        </p:spPr>
+        <p:txBody>
+          <a:bodyPr>
+            <a:normAutofit/>
+          </a:bodyPr>
+          <a:lstStyle/>
+          <a:p>
+            <a:pPr marL="0" indent="0" algn="ctr">
+              <a:buNone/>
+            </a:pPr>
+            <a:r>
+              <a:rPr lang="es-ES" sz="3600" b="1" dirty="0" smtClean="0">
+                <a:latin typeface="Arial" panose="020B0604020202020204" pitchFamily="34" charset="0"/>
+                <a:cs typeface="Arial" panose="020B0604020202020204" pitchFamily="34" charset="0"/>
+              </a:rPr>
+              <a:t>¿Qué pasa con los otros servicios relacionados al sector?</a:t>
+            </a:r>
+            <a:endParaRPr lang="es-ES" sz="3600" b="1" dirty="0">
+              <a:latin typeface="Arial" panose="020B0604020202020204" pitchFamily="34" charset="0"/>
+              <a:cs typeface="Arial" panose="020B0604020202020204" pitchFamily="34" charset="0"/>
+            </a:endParaRPr>
+          </a:p>
+        </p:txBody>
+      </p:sp>
+    </p:spTree>
+    <p:extLst>
+      <p:ext uri="{BB962C8B-B14F-4D97-AF65-F5344CB8AC3E}">
+        <p14:creationId xmlns:p14="http://schemas.microsoft.com/office/powerpoint/2010/main" val="1507735887"/>
+      </p:ext>
+    </p:extLst>
+  </p:cSld>
+  <p:clrMapOvr>
+    <a:overrideClrMapping bg1="lt1" tx1="dk1" bg2="lt2" tx2="dk2" accent1="accent1" accent2="accent2" accent3="accent3" accent4="accent4" accent5="accent5" accent6="accent6" hlink="hlink" folHlink="folHlink"/>
+  </p:clrMapOvr>
+  <p:timing>
+    <p:tnLst>
+      <p:par>
+        <p:cTn id="1" dur="indefinite" restart="never" nodeType="tmRoot"/>
+      </p:par>
+    </p:tnLst>
+  </p:timing>
+</p:sld>
+</file>
+
+<file path=ppt/slides/slide6.xml><?xml version="1.0" encoding="utf-8"?>
+<p:sld xmlns:a="http://schemas.openxmlformats.org/drawingml/2006/main" xmlns:r="http://schemas.openxmlformats.org/officeDocument/2006/relationships" xmlns:p="http://schemas.openxmlformats.org/presentationml/2006/main">
+  <p:cSld>
+    <p:bg>
+      <p:bgPr>
+        <a:solidFill>
+          <a:schemeClr val="accent5">
+            <a:lumMod val="60000"/>
+            <a:lumOff val="40000"/>
+          </a:schemeClr>
+        </a:solidFill>
+        <a:effectLst/>
+      </p:bgPr>
+    </p:bg>
+    <p:spTree>
+      <p:nvGrpSpPr>
+        <p:cNvPr id="1" name=""/>
+        <p:cNvGrpSpPr/>
+        <p:nvPr/>
+      </p:nvGrpSpPr>
+      <p:grpSpPr>
+        <a:xfrm>
+          <a:off x="0" y="0"/>
+          <a:ext cx="0" cy="0"/>
+          <a:chOff x="0" y="0"/>
+          <a:chExt cx="0" cy="0"/>
+        </a:xfrm>
+      </p:grpSpPr>
+      <p:sp>
+        <p:nvSpPr>
+          <p:cNvPr id="2" name="Título 1"/>
+          <p:cNvSpPr>
+            <a:spLocks noGrp="1"/>
+          </p:cNvSpPr>
+          <p:nvPr>
+            <p:ph type="title"/>
+          </p:nvPr>
+        </p:nvSpPr>
+        <p:spPr/>
+        <p:txBody>
+          <a:bodyPr/>
+          <a:lstStyle/>
+          <a:p>
+            <a:pPr algn="ctr"/>
+            <a:r>
+              <a:rPr lang="es-ES" b="1" u="sng" dirty="0" smtClean="0">
+                <a:solidFill>
+                  <a:schemeClr val="bg1"/>
+                </a:solidFill>
+                <a:latin typeface="Arial" panose="020B0604020202020204" pitchFamily="34" charset="0"/>
+                <a:cs typeface="Arial" panose="020B0604020202020204" pitchFamily="34" charset="0"/>
+              </a:rPr>
+              <a:t>Telefonía</a:t>
+            </a:r>
+            <a:endParaRPr lang="es-ES" b="1" u="sng" dirty="0">
+              <a:solidFill>
+                <a:schemeClr val="bg1"/>
+              </a:solidFill>
+              <a:latin typeface="Arial" panose="020B0604020202020204" pitchFamily="34" charset="0"/>
+              <a:cs typeface="Arial" panose="020B0604020202020204" pitchFamily="34" charset="0"/>
+            </a:endParaRPr>
+          </a:p>
+        </p:txBody>
+      </p:sp>
+      <p:pic>
+        <p:nvPicPr>
+          <p:cNvPr id="4" name="Imagen 3"/>
+          <p:cNvPicPr>
+            <a:picLocks noChangeAspect="1"/>
+          </p:cNvPicPr>
+          <p:nvPr/>
+        </p:nvPicPr>
+        <p:blipFill rotWithShape="1">
+          <a:blip r:embed="rId3"/>
+          <a:srcRect l="1502" t="17061" r="996" b="11430"/>
+          <a:stretch/>
+        </p:blipFill>
+        <p:spPr>
+          <a:xfrm>
+            <a:off x="544285" y="2080727"/>
+            <a:ext cx="5551715" cy="3405675"/>
+          </a:xfrm>
+          <a:prstGeom prst="rect">
+            <a:avLst/>
+          </a:prstGeom>
+        </p:spPr>
+      </p:pic>
+      <p:pic>
+        <p:nvPicPr>
+          <p:cNvPr id="6" name="Imagen 5"/>
+          <p:cNvPicPr>
+            <a:picLocks noChangeAspect="1"/>
+          </p:cNvPicPr>
+          <p:nvPr/>
+        </p:nvPicPr>
+        <p:blipFill rotWithShape="1">
+          <a:blip r:embed="rId4"/>
+          <a:srcRect l="2164" t="17060" r="1524" b="10972"/>
+          <a:stretch/>
+        </p:blipFill>
+        <p:spPr>
+          <a:xfrm>
+            <a:off x="6438481" y="2080727"/>
+            <a:ext cx="5458050" cy="3387012"/>
+          </a:xfrm>
+          <a:prstGeom prst="rect">
+            <a:avLst/>
+          </a:prstGeom>
+        </p:spPr>
+      </p:pic>
+      <p:sp>
+        <p:nvSpPr>
+          <p:cNvPr id="7" name="CuadroTexto 6"/>
+          <p:cNvSpPr txBox="1"/>
+          <p:nvPr/>
+        </p:nvSpPr>
+        <p:spPr>
+          <a:xfrm>
+            <a:off x="544285" y="1647110"/>
+            <a:ext cx="4582886" cy="369332"/>
+          </a:xfrm>
+          <a:prstGeom prst="rect">
+            <a:avLst/>
+          </a:prstGeom>
+          <a:noFill/>
+        </p:spPr>
+        <p:txBody>
+          <a:bodyPr wrap="square" rtlCol="0">
+            <a:spAutoFit/>
+          </a:bodyPr>
+          <a:lstStyle/>
+          <a:p>
+            <a:r>
+              <a:rPr lang="es-ES" b="1" dirty="0" smtClean="0">
+                <a:latin typeface="Arial" panose="020B0604020202020204" pitchFamily="34" charset="0"/>
+                <a:cs typeface="Arial" panose="020B0604020202020204" pitchFamily="34" charset="0"/>
+              </a:rPr>
+              <a:t>Suscripciones a Telefonía Móvil</a:t>
+            </a:r>
+            <a:endParaRPr lang="es-ES" b="1" dirty="0">
+              <a:latin typeface="Arial" panose="020B0604020202020204" pitchFamily="34" charset="0"/>
+              <a:cs typeface="Arial" panose="020B0604020202020204" pitchFamily="34" charset="0"/>
+            </a:endParaRPr>
+          </a:p>
+        </p:txBody>
+      </p:sp>
+      <p:sp>
+        <p:nvSpPr>
+          <p:cNvPr id="8" name="CuadroTexto 7"/>
+          <p:cNvSpPr txBox="1"/>
+          <p:nvPr/>
+        </p:nvSpPr>
+        <p:spPr>
+          <a:xfrm>
+            <a:off x="6438481" y="1647110"/>
+            <a:ext cx="4582886" cy="369332"/>
+          </a:xfrm>
+          <a:prstGeom prst="rect">
+            <a:avLst/>
+          </a:prstGeom>
+          <a:noFill/>
+        </p:spPr>
+        <p:txBody>
+          <a:bodyPr wrap="square" rtlCol="0">
+            <a:spAutoFit/>
+          </a:bodyPr>
+          <a:lstStyle/>
+          <a:p>
+            <a:r>
+              <a:rPr lang="es-ES" b="1" dirty="0" smtClean="0">
+                <a:latin typeface="Arial" panose="020B0604020202020204" pitchFamily="34" charset="0"/>
+                <a:cs typeface="Arial" panose="020B0604020202020204" pitchFamily="34" charset="0"/>
+              </a:rPr>
+              <a:t>Suscripciones a Telefonía Fija</a:t>
+            </a:r>
+            <a:endParaRPr lang="es-ES" b="1" dirty="0">
+              <a:latin typeface="Arial" panose="020B0604020202020204" pitchFamily="34" charset="0"/>
+              <a:cs typeface="Arial" panose="020B0604020202020204" pitchFamily="34" charset="0"/>
+            </a:endParaRPr>
+          </a:p>
+        </p:txBody>
+      </p:sp>
+    </p:spTree>
+    <p:extLst>
+      <p:ext uri="{BB962C8B-B14F-4D97-AF65-F5344CB8AC3E}">
+        <p14:creationId xmlns:p14="http://schemas.microsoft.com/office/powerpoint/2010/main" val="1373812169"/>
+      </p:ext>
+    </p:extLst>
+  </p:cSld>
+  <p:clrMapOvr>
+    <a:overrideClrMapping bg1="lt1" tx1="dk1" bg2="lt2" tx2="dk2" accent1="accent1" accent2="accent2" accent3="accent3" accent4="accent4" accent5="accent5" accent6="accent6" hlink="hlink" folHlink="folHlink"/>
+  </p:clrMapOvr>
+  <p:timing>
+    <p:tnLst>
+      <p:par>
+        <p:cTn id="1" dur="indefinite" restart="never" nodeType="tmRoot"/>
+      </p:par>
+    </p:tnLst>
+  </p:timing>
+</p:sld>
+</file>
+
+<file path=ppt/slides/slide7.xml><?xml version="1.0" encoding="utf-8"?>
+<p:sld xmlns:a="http://schemas.openxmlformats.org/drawingml/2006/main" xmlns:r="http://schemas.openxmlformats.org/officeDocument/2006/relationships" xmlns:p="http://schemas.openxmlformats.org/presentationml/2006/main">
+  <p:cSld>
+    <p:bg>
+      <p:bgPr>
+        <a:solidFill>
+          <a:schemeClr val="accent5">
+            <a:lumMod val="60000"/>
+            <a:lumOff val="40000"/>
+          </a:schemeClr>
+        </a:solidFill>
+        <a:effectLst/>
+      </p:bgPr>
+    </p:bg>
+    <p:spTree>
+      <p:nvGrpSpPr>
+        <p:cNvPr id="1" name=""/>
+        <p:cNvGrpSpPr/>
+        <p:nvPr/>
+      </p:nvGrpSpPr>
+      <p:grpSpPr>
+        <a:xfrm>
+          <a:off x="0" y="0"/>
+          <a:ext cx="0" cy="0"/>
+          <a:chOff x="0" y="0"/>
+          <a:chExt cx="0" cy="0"/>
+        </a:xfrm>
+      </p:grpSpPr>
+      <p:sp>
+        <p:nvSpPr>
+          <p:cNvPr id="2" name="Título 1"/>
+          <p:cNvSpPr>
+            <a:spLocks noGrp="1"/>
+          </p:cNvSpPr>
+          <p:nvPr>
+            <p:ph type="title"/>
+          </p:nvPr>
+        </p:nvSpPr>
+        <p:spPr/>
+        <p:txBody>
+          <a:bodyPr/>
+          <a:lstStyle/>
+          <a:p>
+            <a:pPr algn="ctr"/>
+            <a:r>
+              <a:rPr lang="es-ES" dirty="0" smtClean="0">
+                <a:solidFill>
+                  <a:schemeClr val="bg1"/>
+                </a:solidFill>
+                <a:latin typeface="Arial" panose="020B0604020202020204" pitchFamily="34" charset="0"/>
+                <a:cs typeface="Arial" panose="020B0604020202020204" pitchFamily="34" charset="0"/>
+              </a:rPr>
+              <a:t>Telefonía</a:t>
+            </a:r>
+            <a:endParaRPr lang="es-ES" dirty="0">
+              <a:solidFill>
+                <a:schemeClr val="bg1"/>
+              </a:solidFill>
+              <a:latin typeface="Arial" panose="020B0604020202020204" pitchFamily="34" charset="0"/>
+              <a:cs typeface="Arial" panose="020B0604020202020204" pitchFamily="34" charset="0"/>
+            </a:endParaRPr>
+          </a:p>
+        </p:txBody>
+      </p:sp>
+      <p:pic>
+        <p:nvPicPr>
+          <p:cNvPr id="5" name="Imagen 4"/>
+          <p:cNvPicPr>
+            <a:picLocks noChangeAspect="1"/>
+          </p:cNvPicPr>
+          <p:nvPr/>
+        </p:nvPicPr>
+        <p:blipFill rotWithShape="1">
+          <a:blip r:embed="rId3"/>
+          <a:srcRect l="19311" t="41610" r="28691" b="19569"/>
+          <a:stretch/>
+        </p:blipFill>
+        <p:spPr>
+          <a:xfrm>
+            <a:off x="317241" y="1987420"/>
+            <a:ext cx="9509450" cy="3993502"/>
+          </a:xfrm>
+          <a:prstGeom prst="rect">
+            <a:avLst/>
+          </a:prstGeom>
+        </p:spPr>
+      </p:pic>
+      <p:sp>
+        <p:nvSpPr>
+          <p:cNvPr id="7" name="CuadroTexto 6"/>
+          <p:cNvSpPr txBox="1"/>
+          <p:nvPr/>
+        </p:nvSpPr>
+        <p:spPr>
+          <a:xfrm>
+            <a:off x="9826691" y="2360644"/>
+            <a:ext cx="2228460" cy="1569660"/>
+          </a:xfrm>
+          <a:prstGeom prst="rect">
+            <a:avLst/>
+          </a:prstGeom>
+          <a:noFill/>
+        </p:spPr>
+        <p:txBody>
+          <a:bodyPr wrap="square" rtlCol="0">
+            <a:spAutoFit/>
+          </a:bodyPr>
+          <a:lstStyle/>
+          <a:p>
+            <a:r>
+              <a:rPr lang="es-ES" sz="2400" b="1" dirty="0" smtClean="0">
+                <a:latin typeface="Arial" panose="020B0604020202020204" pitchFamily="34" charset="0"/>
+                <a:cs typeface="Arial" panose="020B0604020202020204" pitchFamily="34" charset="0"/>
+              </a:rPr>
+              <a:t>+300M Telefonía Móvil</a:t>
+            </a:r>
+          </a:p>
+          <a:p>
+            <a:r>
+              <a:rPr lang="es-ES" sz="2400" b="1" dirty="0" smtClean="0">
+                <a:latin typeface="Arial" panose="020B0604020202020204" pitchFamily="34" charset="0"/>
+                <a:cs typeface="Arial" panose="020B0604020202020204" pitchFamily="34" charset="0"/>
+              </a:rPr>
+              <a:t>en 2021</a:t>
+            </a:r>
+          </a:p>
+        </p:txBody>
+      </p:sp>
+      <p:sp>
+        <p:nvSpPr>
+          <p:cNvPr id="8" name="CuadroTexto 7"/>
+          <p:cNvSpPr txBox="1"/>
+          <p:nvPr/>
+        </p:nvSpPr>
+        <p:spPr>
+          <a:xfrm>
+            <a:off x="9826691" y="4303528"/>
+            <a:ext cx="2228460" cy="1200329"/>
+          </a:xfrm>
+          <a:prstGeom prst="rect">
+            <a:avLst/>
+          </a:prstGeom>
+          <a:noFill/>
+        </p:spPr>
+        <p:txBody>
+          <a:bodyPr wrap="square" rtlCol="0">
+            <a:spAutoFit/>
+          </a:bodyPr>
+          <a:lstStyle/>
+          <a:p>
+            <a:r>
+              <a:rPr lang="es-ES" sz="2400" b="1" dirty="0" smtClean="0">
+                <a:latin typeface="Arial" panose="020B0604020202020204" pitchFamily="34" charset="0"/>
+                <a:cs typeface="Arial" panose="020B0604020202020204" pitchFamily="34" charset="0"/>
+              </a:rPr>
+              <a:t>+100M Telefonía Fija</a:t>
+            </a:r>
+          </a:p>
+          <a:p>
+            <a:r>
+              <a:rPr lang="es-ES" sz="2400" b="1" dirty="0" smtClean="0">
+                <a:latin typeface="Arial" panose="020B0604020202020204" pitchFamily="34" charset="0"/>
+                <a:cs typeface="Arial" panose="020B0604020202020204" pitchFamily="34" charset="0"/>
+              </a:rPr>
+              <a:t>en 2021</a:t>
+            </a:r>
+          </a:p>
+        </p:txBody>
+      </p:sp>
+    </p:spTree>
+    <p:extLst>
+      <p:ext uri="{BB962C8B-B14F-4D97-AF65-F5344CB8AC3E}">
+        <p14:creationId xmlns:p14="http://schemas.microsoft.com/office/powerpoint/2010/main" val="1508083460"/>
+      </p:ext>
+    </p:extLst>
+  </p:cSld>
+  <p:clrMapOvr>
+    <a:overrideClrMapping bg1="lt1" tx1="dk1" bg2="lt2" tx2="dk2" accent1="accent1" accent2="accent2" accent3="accent3" accent4="accent4" accent5="accent5" accent6="accent6" hlink="hlink" folHlink="folHlink"/>
+  </p:clrMapOvr>
+  <p:timing>
+    <p:tnLst>
+      <p:par>
+        <p:cTn id="1" dur="indefinite" restart="never" nodeType="tmRoot"/>
+      </p:par>
+    </p:tnLst>
+  </p:timing>
+</p:sld>
+</file>
+
+<file path=ppt/slides/slide8.xml><?xml version="1.0" encoding="utf-8"?>
+<p:sld xmlns:a="http://schemas.openxmlformats.org/drawingml/2006/main" xmlns:r="http://schemas.openxmlformats.org/officeDocument/2006/relationships" xmlns:p="http://schemas.openxmlformats.org/presentationml/2006/main">
+  <p:cSld>
+    <p:bg>
+      <p:bgPr>
+        <a:solidFill>
+          <a:schemeClr val="accent5">
+            <a:lumMod val="60000"/>
+            <a:lumOff val="40000"/>
+          </a:schemeClr>
+        </a:solidFill>
+        <a:effectLst/>
+      </p:bgPr>
+    </p:bg>
+    <p:spTree>
+      <p:nvGrpSpPr>
+        <p:cNvPr id="1" name=""/>
+        <p:cNvGrpSpPr/>
+        <p:nvPr/>
+      </p:nvGrpSpPr>
+      <p:grpSpPr>
+        <a:xfrm>
+          <a:off x="0" y="0"/>
+          <a:ext cx="0" cy="0"/>
+          <a:chOff x="0" y="0"/>
+          <a:chExt cx="0" cy="0"/>
+        </a:xfrm>
+      </p:grpSpPr>
+      <p:sp>
+        <p:nvSpPr>
+          <p:cNvPr id="2" name="Título 1"/>
+          <p:cNvSpPr>
+            <a:spLocks noGrp="1"/>
+          </p:cNvSpPr>
+          <p:nvPr>
+            <p:ph type="title"/>
+          </p:nvPr>
+        </p:nvSpPr>
+        <p:spPr/>
+        <p:txBody>
+          <a:bodyPr/>
+          <a:lstStyle/>
+          <a:p>
+            <a:pPr algn="ctr"/>
+            <a:r>
+              <a:rPr lang="es-ES" b="1" u="sng" dirty="0" smtClean="0">
+                <a:solidFill>
+                  <a:schemeClr val="bg1"/>
+                </a:solidFill>
+                <a:latin typeface="Arial" panose="020B0604020202020204" pitchFamily="34" charset="0"/>
+                <a:cs typeface="Arial" panose="020B0604020202020204" pitchFamily="34" charset="0"/>
+              </a:rPr>
+              <a:t>Televisión</a:t>
+            </a:r>
+            <a:endParaRPr lang="es-ES" b="1" u="sng" dirty="0">
+              <a:solidFill>
+                <a:schemeClr val="bg1"/>
+              </a:solidFill>
+              <a:latin typeface="Arial" panose="020B0604020202020204" pitchFamily="34" charset="0"/>
+              <a:cs typeface="Arial" panose="020B0604020202020204" pitchFamily="34" charset="0"/>
+            </a:endParaRPr>
+          </a:p>
+        </p:txBody>
+      </p:sp>
+      <p:pic>
+        <p:nvPicPr>
+          <p:cNvPr id="6" name="Imagen 5"/>
+          <p:cNvPicPr>
+            <a:picLocks noChangeAspect="1"/>
+          </p:cNvPicPr>
+          <p:nvPr/>
+        </p:nvPicPr>
+        <p:blipFill rotWithShape="1">
+          <a:blip r:embed="rId3"/>
+          <a:srcRect l="5484" t="3972" r="5064" b="8931"/>
+          <a:stretch/>
+        </p:blipFill>
+        <p:spPr>
+          <a:xfrm>
+            <a:off x="6216544" y="2276669"/>
+            <a:ext cx="5325424" cy="3023119"/>
+          </a:xfrm>
+          <a:prstGeom prst="rect">
+            <a:avLst/>
+          </a:prstGeom>
+        </p:spPr>
+      </p:pic>
+      <p:pic>
+        <p:nvPicPr>
+          <p:cNvPr id="7" name="Imagen 6"/>
+          <p:cNvPicPr>
+            <a:picLocks noChangeAspect="1"/>
+          </p:cNvPicPr>
+          <p:nvPr/>
+        </p:nvPicPr>
+        <p:blipFill rotWithShape="1">
+          <a:blip r:embed="rId4"/>
+          <a:srcRect l="4352" t="11352" r="4848" b="20793"/>
+          <a:stretch/>
+        </p:blipFill>
+        <p:spPr>
+          <a:xfrm>
+            <a:off x="1212979" y="3116425"/>
+            <a:ext cx="3934675" cy="1483568"/>
+          </a:xfrm>
+          <a:prstGeom prst="rect">
+            <a:avLst/>
+          </a:prstGeom>
+        </p:spPr>
+      </p:pic>
+      <p:sp>
+        <p:nvSpPr>
+          <p:cNvPr id="8" name="CuadroTexto 7"/>
+          <p:cNvSpPr txBox="1"/>
+          <p:nvPr/>
+        </p:nvSpPr>
+        <p:spPr>
+          <a:xfrm>
+            <a:off x="1212979" y="2691109"/>
+            <a:ext cx="2696548" cy="369332"/>
+          </a:xfrm>
+          <a:prstGeom prst="rect">
+            <a:avLst/>
+          </a:prstGeom>
+          <a:noFill/>
+        </p:spPr>
+        <p:txBody>
+          <a:bodyPr wrap="square" rtlCol="0">
+            <a:spAutoFit/>
+          </a:bodyPr>
+          <a:lstStyle/>
+          <a:p>
+            <a:r>
+              <a:rPr lang="es-ES" b="1" dirty="0" smtClean="0">
+                <a:latin typeface="Arial" panose="020B0604020202020204" pitchFamily="34" charset="0"/>
+                <a:cs typeface="Arial" panose="020B0604020202020204" pitchFamily="34" charset="0"/>
+              </a:rPr>
+              <a:t>Ingresos 2021</a:t>
+            </a:r>
+            <a:endParaRPr lang="es-ES" b="1" dirty="0">
+              <a:latin typeface="Arial" panose="020B0604020202020204" pitchFamily="34" charset="0"/>
+              <a:cs typeface="Arial" panose="020B0604020202020204" pitchFamily="34" charset="0"/>
+            </a:endParaRPr>
+          </a:p>
+        </p:txBody>
+      </p:sp>
+    </p:spTree>
+    <p:extLst>
+      <p:ext uri="{BB962C8B-B14F-4D97-AF65-F5344CB8AC3E}">
+        <p14:creationId xmlns:p14="http://schemas.microsoft.com/office/powerpoint/2010/main" val="133525438"/>
+      </p:ext>
+    </p:extLst>
+  </p:cSld>
+  <p:clrMapOvr>
+    <a:overrideClrMapping bg1="lt1" tx1="dk1" bg2="lt2" tx2="dk2" accent1="accent1" accent2="accent2" accent3="accent3" accent4="accent4" accent5="accent5" accent6="accent6" hlink="hlink" folHlink="folHlink"/>
+  </p:clrMapOvr>
+  <p:timing>
+    <p:tnLst>
+      <p:par>
+        <p:cTn id="1" dur="indefinite" restart="never" nodeType="tmRoot"/>
+      </p:par>
+    </p:tnLst>
+  </p:timing>
+</p:sld>
+</file>
+
+<file path=ppt/slides/slide9.xml><?xml version="1.0" encoding="utf-8"?>
+<p:sld xmlns:a="http://schemas.openxmlformats.org/drawingml/2006/main" xmlns:r="http://schemas.openxmlformats.org/officeDocument/2006/relationships" xmlns:p="http://schemas.openxmlformats.org/presentationml/2006/main">
+  <p:cSld>
+    <p:bg>
+      <p:bgPr>
+        <a:solidFill>
+          <a:schemeClr val="accent5">
+            <a:lumMod val="60000"/>
+            <a:lumOff val="40000"/>
+          </a:schemeClr>
+        </a:solidFill>
+        <a:effectLst/>
+      </p:bgPr>
+    </p:bg>
+    <p:spTree>
+      <p:nvGrpSpPr>
+        <p:cNvPr id="1" name=""/>
+        <p:cNvGrpSpPr/>
+        <p:nvPr/>
+      </p:nvGrpSpPr>
+      <p:grpSpPr>
+        <a:xfrm>
+          <a:off x="0" y="0"/>
+          <a:ext cx="0" cy="0"/>
+          <a:chOff x="0" y="0"/>
+          <a:chExt cx="0" cy="0"/>
+        </a:xfrm>
+      </p:grpSpPr>
+      <p:sp>
+        <p:nvSpPr>
+          <p:cNvPr id="2" name="Título 1"/>
+          <p:cNvSpPr>
+            <a:spLocks noGrp="1"/>
+          </p:cNvSpPr>
+          <p:nvPr>
+            <p:ph type="title"/>
+          </p:nvPr>
+        </p:nvSpPr>
+        <p:spPr>
+          <a:xfrm>
+            <a:off x="838200" y="2576481"/>
+            <a:ext cx="10515600" cy="1325563"/>
+          </a:xfrm>
+        </p:spPr>
+        <p:txBody>
+          <a:bodyPr/>
+          <a:lstStyle/>
+          <a:p>
+            <a:pPr algn="ctr"/>
+            <a:r>
+              <a:rPr lang="es-ES" u="sng" dirty="0" smtClean="0">
+                <a:solidFill>
+                  <a:schemeClr val="bg1"/>
+                </a:solidFill>
+                <a:latin typeface="Arial" panose="020B0604020202020204" pitchFamily="34" charset="0"/>
+                <a:cs typeface="Arial" panose="020B0604020202020204" pitchFamily="34" charset="0"/>
+              </a:rPr>
+              <a:t>Conclusiones</a:t>
+            </a:r>
+            <a:endParaRPr lang="es-ES" u="sng" dirty="0">
+              <a:solidFill>
+                <a:schemeClr val="bg1"/>
+              </a:solidFill>
+              <a:latin typeface="Arial" panose="020B0604020202020204" pitchFamily="34" charset="0"/>
+              <a:cs typeface="Arial" panose="020B0604020202020204" pitchFamily="34" charset="0"/>
+            </a:endParaRPr>
+          </a:p>
+        </p:txBody>
+      </p:sp>
+      <p:sp>
+        <p:nvSpPr>
+          <p:cNvPr id="3" name="Marcador de contenido 2"/>
+          <p:cNvSpPr>
+            <a:spLocks noGrp="1"/>
+          </p:cNvSpPr>
+          <p:nvPr>
+            <p:ph idx="1"/>
+          </p:nvPr>
+        </p:nvSpPr>
+        <p:spPr/>
+        <p:txBody>
+          <a:bodyPr/>
+          <a:lstStyle/>
+          <a:p>
+            <a:pPr marL="0" indent="0">
+              <a:buNone/>
+            </a:pPr>
+            <a:r>
+              <a:rPr lang="es-ES" dirty="0" smtClean="0"/>
+              <a:t>   </a:t>
+            </a:r>
+          </a:p>
+        </p:txBody>
+      </p:sp>
+    </p:spTree>
+    <p:extLst>
+      <p:ext uri="{BB962C8B-B14F-4D97-AF65-F5344CB8AC3E}">
+        <p14:creationId xmlns:p14="http://schemas.microsoft.com/office/powerpoint/2010/main" val="1843195852"/>
+      </p:ext>
+    </p:extLst>
+  </p:cSld>
+  <p:clrMapOvr>
+    <a:overrideClrMapping bg1="lt1" tx1="dk1" bg2="lt2" tx2="dk2" accent1="accent1" accent2="accent2" accent3="accent3" accent4="accent4" accent5="accent5" accent6="accent6" hlink="hlink" folHlink="folHlink"/>
+  </p:clrMapOvr>
+  <p:timing>
+    <p:tnLst>
+      <p:par>
+        <p:cTn id="1" dur="indefinite" restart="never" nodeType="tmRoot"/>
+      </p:par>
+    </p:tnLst>
+  </p:timing>
 </p:sld>
 </file>
 
 <file path=ppt/theme/theme1.xml><?xml version="1.0" encoding="utf-8"?>
 <a:theme xmlns:a="http://schemas.openxmlformats.org/drawingml/2006/main" name="Tema de Office">
   <a:themeElements>
-    <a:clrScheme name="Office">
+    <a:clrScheme name="Escala de grises">
       <a:dk1>
         <a:sysClr val="windowText" lastClr="000000"/>
       </a:dk1>
@@ -3128,34 +4755,34 @@
         <a:sysClr val="window" lastClr="FFFFFF"/>
       </a:lt1>
       <a:dk2>
-        <a:srgbClr val="44546A"/>
+        <a:srgbClr val="000000"/>
       </a:dk2>
       <a:lt2>
-        <a:srgbClr val="E7E6E6"/>
+        <a:srgbClr val="F8F8F8"/>
       </a:lt2>
       <a:accent1>
-        <a:srgbClr val="5B9BD5"/>
+        <a:srgbClr val="DDDDDD"/>
       </a:accent1>
       <a:accent2>
-        <a:srgbClr val="ED7D31"/>
+        <a:srgbClr val="B2B2B2"/>
       </a:accent2>
       <a:accent3>
-        <a:srgbClr val="A5A5A5"/>
+        <a:srgbClr val="969696"/>
       </a:accent3>
       <a:accent4>
-        <a:srgbClr val="FFC000"/>
+        <a:srgbClr val="808080"/>
       </a:accent4>
       <a:accent5>
-        <a:srgbClr val="4472C4"/>
+        <a:srgbClr val="5F5F5F"/>
       </a:accent5>
       <a:accent6>
-        <a:srgbClr val="70AD47"/>
+        <a:srgbClr val="4D4D4D"/>
       </a:accent6>
       <a:hlink>
-        <a:srgbClr val="0563C1"/>
+        <a:srgbClr val="5F5F5F"/>
       </a:hlink>
       <a:folHlink>
-        <a:srgbClr val="954F72"/>
+        <a:srgbClr val="919191"/>
       </a:folHlink>
     </a:clrScheme>
     <a:fontScheme name="Office">
@@ -3376,4 +5003,563 @@
     </a:ext>
   </a:extLst>
 </a:theme>
+</file>
+
+<file path=ppt/theme/themeOverride1.xml><?xml version="1.0" encoding="utf-8"?>
+<a:themeOverride xmlns:a="http://schemas.openxmlformats.org/drawingml/2006/main">
+  <a:clrScheme name="Escala de grises">
+    <a:dk1>
+      <a:sysClr val="windowText" lastClr="000000"/>
+    </a:dk1>
+    <a:lt1>
+      <a:sysClr val="window" lastClr="FFFFFF"/>
+    </a:lt1>
+    <a:dk2>
+      <a:srgbClr val="000000"/>
+    </a:dk2>
+    <a:lt2>
+      <a:srgbClr val="F8F8F8"/>
+    </a:lt2>
+    <a:accent1>
+      <a:srgbClr val="DDDDDD"/>
+    </a:accent1>
+    <a:accent2>
+      <a:srgbClr val="B2B2B2"/>
+    </a:accent2>
+    <a:accent3>
+      <a:srgbClr val="969696"/>
+    </a:accent3>
+    <a:accent4>
+      <a:srgbClr val="808080"/>
+    </a:accent4>
+    <a:accent5>
+      <a:srgbClr val="5F5F5F"/>
+    </a:accent5>
+    <a:accent6>
+      <a:srgbClr val="4D4D4D"/>
+    </a:accent6>
+    <a:hlink>
+      <a:srgbClr val="5F5F5F"/>
+    </a:hlink>
+    <a:folHlink>
+      <a:srgbClr val="919191"/>
+    </a:folHlink>
+  </a:clrScheme>
+</a:themeOverride>
+</file>
+
+<file path=ppt/theme/themeOverride10.xml><?xml version="1.0" encoding="utf-8"?>
+<a:themeOverride xmlns:a="http://schemas.openxmlformats.org/drawingml/2006/main">
+  <a:clrScheme name="Escala de grises">
+    <a:dk1>
+      <a:sysClr val="windowText" lastClr="000000"/>
+    </a:dk1>
+    <a:lt1>
+      <a:sysClr val="window" lastClr="FFFFFF"/>
+    </a:lt1>
+    <a:dk2>
+      <a:srgbClr val="000000"/>
+    </a:dk2>
+    <a:lt2>
+      <a:srgbClr val="F8F8F8"/>
+    </a:lt2>
+    <a:accent1>
+      <a:srgbClr val="DDDDDD"/>
+    </a:accent1>
+    <a:accent2>
+      <a:srgbClr val="B2B2B2"/>
+    </a:accent2>
+    <a:accent3>
+      <a:srgbClr val="969696"/>
+    </a:accent3>
+    <a:accent4>
+      <a:srgbClr val="808080"/>
+    </a:accent4>
+    <a:accent5>
+      <a:srgbClr val="5F5F5F"/>
+    </a:accent5>
+    <a:accent6>
+      <a:srgbClr val="4D4D4D"/>
+    </a:accent6>
+    <a:hlink>
+      <a:srgbClr val="5F5F5F"/>
+    </a:hlink>
+    <a:folHlink>
+      <a:srgbClr val="919191"/>
+    </a:folHlink>
+  </a:clrScheme>
+</a:themeOverride>
+</file>
+
+<file path=ppt/theme/themeOverride11.xml><?xml version="1.0" encoding="utf-8"?>
+<a:themeOverride xmlns:a="http://schemas.openxmlformats.org/drawingml/2006/main">
+  <a:clrScheme name="Escala de grises">
+    <a:dk1>
+      <a:sysClr val="windowText" lastClr="000000"/>
+    </a:dk1>
+    <a:lt1>
+      <a:sysClr val="window" lastClr="FFFFFF"/>
+    </a:lt1>
+    <a:dk2>
+      <a:srgbClr val="000000"/>
+    </a:dk2>
+    <a:lt2>
+      <a:srgbClr val="F8F8F8"/>
+    </a:lt2>
+    <a:accent1>
+      <a:srgbClr val="DDDDDD"/>
+    </a:accent1>
+    <a:accent2>
+      <a:srgbClr val="B2B2B2"/>
+    </a:accent2>
+    <a:accent3>
+      <a:srgbClr val="969696"/>
+    </a:accent3>
+    <a:accent4>
+      <a:srgbClr val="808080"/>
+    </a:accent4>
+    <a:accent5>
+      <a:srgbClr val="5F5F5F"/>
+    </a:accent5>
+    <a:accent6>
+      <a:srgbClr val="4D4D4D"/>
+    </a:accent6>
+    <a:hlink>
+      <a:srgbClr val="5F5F5F"/>
+    </a:hlink>
+    <a:folHlink>
+      <a:srgbClr val="919191"/>
+    </a:folHlink>
+  </a:clrScheme>
+</a:themeOverride>
+</file>
+
+<file path=ppt/theme/themeOverride12.xml><?xml version="1.0" encoding="utf-8"?>
+<a:themeOverride xmlns:a="http://schemas.openxmlformats.org/drawingml/2006/main">
+  <a:clrScheme name="Escala de grises">
+    <a:dk1>
+      <a:sysClr val="windowText" lastClr="000000"/>
+    </a:dk1>
+    <a:lt1>
+      <a:sysClr val="window" lastClr="FFFFFF"/>
+    </a:lt1>
+    <a:dk2>
+      <a:srgbClr val="000000"/>
+    </a:dk2>
+    <a:lt2>
+      <a:srgbClr val="F8F8F8"/>
+    </a:lt2>
+    <a:accent1>
+      <a:srgbClr val="DDDDDD"/>
+    </a:accent1>
+    <a:accent2>
+      <a:srgbClr val="B2B2B2"/>
+    </a:accent2>
+    <a:accent3>
+      <a:srgbClr val="969696"/>
+    </a:accent3>
+    <a:accent4>
+      <a:srgbClr val="808080"/>
+    </a:accent4>
+    <a:accent5>
+      <a:srgbClr val="5F5F5F"/>
+    </a:accent5>
+    <a:accent6>
+      <a:srgbClr val="4D4D4D"/>
+    </a:accent6>
+    <a:hlink>
+      <a:srgbClr val="5F5F5F"/>
+    </a:hlink>
+    <a:folHlink>
+      <a:srgbClr val="919191"/>
+    </a:folHlink>
+  </a:clrScheme>
+</a:themeOverride>
+</file>
+
+<file path=ppt/theme/themeOverride13.xml><?xml version="1.0" encoding="utf-8"?>
+<a:themeOverride xmlns:a="http://schemas.openxmlformats.org/drawingml/2006/main">
+  <a:clrScheme name="Escala de grises">
+    <a:dk1>
+      <a:sysClr val="windowText" lastClr="000000"/>
+    </a:dk1>
+    <a:lt1>
+      <a:sysClr val="window" lastClr="FFFFFF"/>
+    </a:lt1>
+    <a:dk2>
+      <a:srgbClr val="000000"/>
+    </a:dk2>
+    <a:lt2>
+      <a:srgbClr val="F8F8F8"/>
+    </a:lt2>
+    <a:accent1>
+      <a:srgbClr val="DDDDDD"/>
+    </a:accent1>
+    <a:accent2>
+      <a:srgbClr val="B2B2B2"/>
+    </a:accent2>
+    <a:accent3>
+      <a:srgbClr val="969696"/>
+    </a:accent3>
+    <a:accent4>
+      <a:srgbClr val="808080"/>
+    </a:accent4>
+    <a:accent5>
+      <a:srgbClr val="5F5F5F"/>
+    </a:accent5>
+    <a:accent6>
+      <a:srgbClr val="4D4D4D"/>
+    </a:accent6>
+    <a:hlink>
+      <a:srgbClr val="5F5F5F"/>
+    </a:hlink>
+    <a:folHlink>
+      <a:srgbClr val="919191"/>
+    </a:folHlink>
+  </a:clrScheme>
+</a:themeOverride>
+</file>
+
+<file path=ppt/theme/themeOverride2.xml><?xml version="1.0" encoding="utf-8"?>
+<a:themeOverride xmlns:a="http://schemas.openxmlformats.org/drawingml/2006/main">
+  <a:clrScheme name="Escala de grises">
+    <a:dk1>
+      <a:sysClr val="windowText" lastClr="000000"/>
+    </a:dk1>
+    <a:lt1>
+      <a:sysClr val="window" lastClr="FFFFFF"/>
+    </a:lt1>
+    <a:dk2>
+      <a:srgbClr val="000000"/>
+    </a:dk2>
+    <a:lt2>
+      <a:srgbClr val="F8F8F8"/>
+    </a:lt2>
+    <a:accent1>
+      <a:srgbClr val="DDDDDD"/>
+    </a:accent1>
+    <a:accent2>
+      <a:srgbClr val="B2B2B2"/>
+    </a:accent2>
+    <a:accent3>
+      <a:srgbClr val="969696"/>
+    </a:accent3>
+    <a:accent4>
+      <a:srgbClr val="808080"/>
+    </a:accent4>
+    <a:accent5>
+      <a:srgbClr val="5F5F5F"/>
+    </a:accent5>
+    <a:accent6>
+      <a:srgbClr val="4D4D4D"/>
+    </a:accent6>
+    <a:hlink>
+      <a:srgbClr val="5F5F5F"/>
+    </a:hlink>
+    <a:folHlink>
+      <a:srgbClr val="919191"/>
+    </a:folHlink>
+  </a:clrScheme>
+</a:themeOverride>
+</file>
+
+<file path=ppt/theme/themeOverride3.xml><?xml version="1.0" encoding="utf-8"?>
+<a:themeOverride xmlns:a="http://schemas.openxmlformats.org/drawingml/2006/main">
+  <a:clrScheme name="Escala de grises">
+    <a:dk1>
+      <a:sysClr val="windowText" lastClr="000000"/>
+    </a:dk1>
+    <a:lt1>
+      <a:sysClr val="window" lastClr="FFFFFF"/>
+    </a:lt1>
+    <a:dk2>
+      <a:srgbClr val="000000"/>
+    </a:dk2>
+    <a:lt2>
+      <a:srgbClr val="F8F8F8"/>
+    </a:lt2>
+    <a:accent1>
+      <a:srgbClr val="DDDDDD"/>
+    </a:accent1>
+    <a:accent2>
+      <a:srgbClr val="B2B2B2"/>
+    </a:accent2>
+    <a:accent3>
+      <a:srgbClr val="969696"/>
+    </a:accent3>
+    <a:accent4>
+      <a:srgbClr val="808080"/>
+    </a:accent4>
+    <a:accent5>
+      <a:srgbClr val="5F5F5F"/>
+    </a:accent5>
+    <a:accent6>
+      <a:srgbClr val="4D4D4D"/>
+    </a:accent6>
+    <a:hlink>
+      <a:srgbClr val="5F5F5F"/>
+    </a:hlink>
+    <a:folHlink>
+      <a:srgbClr val="919191"/>
+    </a:folHlink>
+  </a:clrScheme>
+</a:themeOverride>
+</file>
+
+<file path=ppt/theme/themeOverride4.xml><?xml version="1.0" encoding="utf-8"?>
+<a:themeOverride xmlns:a="http://schemas.openxmlformats.org/drawingml/2006/main">
+  <a:clrScheme name="Escala de grises">
+    <a:dk1>
+      <a:sysClr val="windowText" lastClr="000000"/>
+    </a:dk1>
+    <a:lt1>
+      <a:sysClr val="window" lastClr="FFFFFF"/>
+    </a:lt1>
+    <a:dk2>
+      <a:srgbClr val="000000"/>
+    </a:dk2>
+    <a:lt2>
+      <a:srgbClr val="F8F8F8"/>
+    </a:lt2>
+    <a:accent1>
+      <a:srgbClr val="DDDDDD"/>
+    </a:accent1>
+    <a:accent2>
+      <a:srgbClr val="B2B2B2"/>
+    </a:accent2>
+    <a:accent3>
+      <a:srgbClr val="969696"/>
+    </a:accent3>
+    <a:accent4>
+      <a:srgbClr val="808080"/>
+    </a:accent4>
+    <a:accent5>
+      <a:srgbClr val="5F5F5F"/>
+    </a:accent5>
+    <a:accent6>
+      <a:srgbClr val="4D4D4D"/>
+    </a:accent6>
+    <a:hlink>
+      <a:srgbClr val="5F5F5F"/>
+    </a:hlink>
+    <a:folHlink>
+      <a:srgbClr val="919191"/>
+    </a:folHlink>
+  </a:clrScheme>
+</a:themeOverride>
+</file>
+
+<file path=ppt/theme/themeOverride5.xml><?xml version="1.0" encoding="utf-8"?>
+<a:themeOverride xmlns:a="http://schemas.openxmlformats.org/drawingml/2006/main">
+  <a:clrScheme name="Escala de grises">
+    <a:dk1>
+      <a:sysClr val="windowText" lastClr="000000"/>
+    </a:dk1>
+    <a:lt1>
+      <a:sysClr val="window" lastClr="FFFFFF"/>
+    </a:lt1>
+    <a:dk2>
+      <a:srgbClr val="000000"/>
+    </a:dk2>
+    <a:lt2>
+      <a:srgbClr val="F8F8F8"/>
+    </a:lt2>
+    <a:accent1>
+      <a:srgbClr val="DDDDDD"/>
+    </a:accent1>
+    <a:accent2>
+      <a:srgbClr val="B2B2B2"/>
+    </a:accent2>
+    <a:accent3>
+      <a:srgbClr val="969696"/>
+    </a:accent3>
+    <a:accent4>
+      <a:srgbClr val="808080"/>
+    </a:accent4>
+    <a:accent5>
+      <a:srgbClr val="5F5F5F"/>
+    </a:accent5>
+    <a:accent6>
+      <a:srgbClr val="4D4D4D"/>
+    </a:accent6>
+    <a:hlink>
+      <a:srgbClr val="5F5F5F"/>
+    </a:hlink>
+    <a:folHlink>
+      <a:srgbClr val="919191"/>
+    </a:folHlink>
+  </a:clrScheme>
+</a:themeOverride>
+</file>
+
+<file path=ppt/theme/themeOverride6.xml><?xml version="1.0" encoding="utf-8"?>
+<a:themeOverride xmlns:a="http://schemas.openxmlformats.org/drawingml/2006/main">
+  <a:clrScheme name="Escala de grises">
+    <a:dk1>
+      <a:sysClr val="windowText" lastClr="000000"/>
+    </a:dk1>
+    <a:lt1>
+      <a:sysClr val="window" lastClr="FFFFFF"/>
+    </a:lt1>
+    <a:dk2>
+      <a:srgbClr val="000000"/>
+    </a:dk2>
+    <a:lt2>
+      <a:srgbClr val="F8F8F8"/>
+    </a:lt2>
+    <a:accent1>
+      <a:srgbClr val="DDDDDD"/>
+    </a:accent1>
+    <a:accent2>
+      <a:srgbClr val="B2B2B2"/>
+    </a:accent2>
+    <a:accent3>
+      <a:srgbClr val="969696"/>
+    </a:accent3>
+    <a:accent4>
+      <a:srgbClr val="808080"/>
+    </a:accent4>
+    <a:accent5>
+      <a:srgbClr val="5F5F5F"/>
+    </a:accent5>
+    <a:accent6>
+      <a:srgbClr val="4D4D4D"/>
+    </a:accent6>
+    <a:hlink>
+      <a:srgbClr val="5F5F5F"/>
+    </a:hlink>
+    <a:folHlink>
+      <a:srgbClr val="919191"/>
+    </a:folHlink>
+  </a:clrScheme>
+</a:themeOverride>
+</file>
+
+<file path=ppt/theme/themeOverride7.xml><?xml version="1.0" encoding="utf-8"?>
+<a:themeOverride xmlns:a="http://schemas.openxmlformats.org/drawingml/2006/main">
+  <a:clrScheme name="Escala de grises">
+    <a:dk1>
+      <a:sysClr val="windowText" lastClr="000000"/>
+    </a:dk1>
+    <a:lt1>
+      <a:sysClr val="window" lastClr="FFFFFF"/>
+    </a:lt1>
+    <a:dk2>
+      <a:srgbClr val="000000"/>
+    </a:dk2>
+    <a:lt2>
+      <a:srgbClr val="F8F8F8"/>
+    </a:lt2>
+    <a:accent1>
+      <a:srgbClr val="DDDDDD"/>
+    </a:accent1>
+    <a:accent2>
+      <a:srgbClr val="B2B2B2"/>
+    </a:accent2>
+    <a:accent3>
+      <a:srgbClr val="969696"/>
+    </a:accent3>
+    <a:accent4>
+      <a:srgbClr val="808080"/>
+    </a:accent4>
+    <a:accent5>
+      <a:srgbClr val="5F5F5F"/>
+    </a:accent5>
+    <a:accent6>
+      <a:srgbClr val="4D4D4D"/>
+    </a:accent6>
+    <a:hlink>
+      <a:srgbClr val="5F5F5F"/>
+    </a:hlink>
+    <a:folHlink>
+      <a:srgbClr val="919191"/>
+    </a:folHlink>
+  </a:clrScheme>
+</a:themeOverride>
+</file>
+
+<file path=ppt/theme/themeOverride8.xml><?xml version="1.0" encoding="utf-8"?>
+<a:themeOverride xmlns:a="http://schemas.openxmlformats.org/drawingml/2006/main">
+  <a:clrScheme name="Escala de grises">
+    <a:dk1>
+      <a:sysClr val="windowText" lastClr="000000"/>
+    </a:dk1>
+    <a:lt1>
+      <a:sysClr val="window" lastClr="FFFFFF"/>
+    </a:lt1>
+    <a:dk2>
+      <a:srgbClr val="000000"/>
+    </a:dk2>
+    <a:lt2>
+      <a:srgbClr val="F8F8F8"/>
+    </a:lt2>
+    <a:accent1>
+      <a:srgbClr val="DDDDDD"/>
+    </a:accent1>
+    <a:accent2>
+      <a:srgbClr val="B2B2B2"/>
+    </a:accent2>
+    <a:accent3>
+      <a:srgbClr val="969696"/>
+    </a:accent3>
+    <a:accent4>
+      <a:srgbClr val="808080"/>
+    </a:accent4>
+    <a:accent5>
+      <a:srgbClr val="5F5F5F"/>
+    </a:accent5>
+    <a:accent6>
+      <a:srgbClr val="4D4D4D"/>
+    </a:accent6>
+    <a:hlink>
+      <a:srgbClr val="5F5F5F"/>
+    </a:hlink>
+    <a:folHlink>
+      <a:srgbClr val="919191"/>
+    </a:folHlink>
+  </a:clrScheme>
+</a:themeOverride>
+</file>
+
+<file path=ppt/theme/themeOverride9.xml><?xml version="1.0" encoding="utf-8"?>
+<a:themeOverride xmlns:a="http://schemas.openxmlformats.org/drawingml/2006/main">
+  <a:clrScheme name="Escala de grises">
+    <a:dk1>
+      <a:sysClr val="windowText" lastClr="000000"/>
+    </a:dk1>
+    <a:lt1>
+      <a:sysClr val="window" lastClr="FFFFFF"/>
+    </a:lt1>
+    <a:dk2>
+      <a:srgbClr val="000000"/>
+    </a:dk2>
+    <a:lt2>
+      <a:srgbClr val="F8F8F8"/>
+    </a:lt2>
+    <a:accent1>
+      <a:srgbClr val="DDDDDD"/>
+    </a:accent1>
+    <a:accent2>
+      <a:srgbClr val="B2B2B2"/>
+    </a:accent2>
+    <a:accent3>
+      <a:srgbClr val="969696"/>
+    </a:accent3>
+    <a:accent4>
+      <a:srgbClr val="808080"/>
+    </a:accent4>
+    <a:accent5>
+      <a:srgbClr val="5F5F5F"/>
+    </a:accent5>
+    <a:accent6>
+      <a:srgbClr val="4D4D4D"/>
+    </a:accent6>
+    <a:hlink>
+      <a:srgbClr val="5F5F5F"/>
+    </a:hlink>
+    <a:folHlink>
+      <a:srgbClr val="919191"/>
+    </a:folHlink>
+  </a:clrScheme>
+</a:themeOverride>
 </file>